--- a/tese/tese_pt/front-matter/Capa/FolhaRosto_InteriorCD_CapaCD_MSc_PowerPoint.pptx
+++ b/tese/tese_pt/front-matter/Capa/FolhaRosto_InteriorCD_CapaCD_MSc_PowerPoint.pptx
@@ -3,13 +3,12 @@
 <p:presentation xmlns:a="http://schemas.openxmlformats.org/drawingml/2006/main" xmlns:p="http://schemas.openxmlformats.org/presentationml/2006/main" xmlns:r="http://schemas.openxmlformats.org/officeDocument/2006/relationships" xmlns:p14="http://schemas.microsoft.com/office/powerpoint/2010/main" xmlns:p15="http://schemas.microsoft.com/office/powerpoint/2012/main" xmlns:mc="http://schemas.openxmlformats.org/markup-compatibility/2006">
   <p:sldMasterIdLst>
     <p:sldMasterId id="2147483648" r:id="rId2"/>
-    <p:sldMasterId id="2147483661" r:id="rId3"/>
   </p:sldMasterIdLst>
   <p:sldIdLst>
-    <p:sldId id="256" r:id="rId4"/>
-    <p:sldId id="257" r:id="rId5"/>
-    <p:sldId id="258" r:id="rId6"/>
-    <p:sldId id="259" r:id="rId7"/>
+    <p:sldId id="256" r:id="rId3"/>
+    <p:sldId id="257" r:id="rId4"/>
+    <p:sldId id="258" r:id="rId5"/>
+    <p:sldId id="259" r:id="rId6"/>
   </p:sldIdLst>
   <p:sldSz cx="7561263" cy="10693400"/>
   <p:notesSz cx="7559675" cy="10691813"/>
@@ -67,7 +66,7 @@
         <p:txBody>
           <a:bodyPr/>
           <a:p>
-            <a:fld id="{B245EC47-7705-4D7F-93C3-632C1CE1D0A7}" type="slidenum">
+            <a:fld id="{DA428A9D-E6BD-466E-A20E-A354DB40B024}" type="slidenum">
               <a:t>&lt;#&gt;</a:t>
             </a:fld>
           </a:p>
@@ -118,7 +117,7 @@
       </p:grpSpPr>
       <p:sp>
         <p:nvSpPr>
-          <p:cNvPr id="26" name="PlaceHolder 1"/>
+          <p:cNvPr id="28" name="PlaceHolder 1"/>
           <p:cNvSpPr>
             <a:spLocks noGrp="1"/>
           </p:cNvSpPr>
@@ -158,7 +157,7 @@
       </p:sp>
       <p:sp>
         <p:nvSpPr>
-          <p:cNvPr id="27" name="PlaceHolder 2"/>
+          <p:cNvPr id="29" name="PlaceHolder 2"/>
           <p:cNvSpPr>
             <a:spLocks noGrp="1"/>
           </p:cNvSpPr>
@@ -201,7 +200,7 @@
       </p:sp>
       <p:sp>
         <p:nvSpPr>
-          <p:cNvPr id="28" name="PlaceHolder 3"/>
+          <p:cNvPr id="30" name="PlaceHolder 3"/>
           <p:cNvSpPr>
             <a:spLocks noGrp="1"/>
           </p:cNvSpPr>
@@ -276,7 +275,7 @@
         <p:txBody>
           <a:bodyPr/>
           <a:p>
-            <a:fld id="{3EBEF688-C58A-4D93-BD8A-8D4141DEEA7B}" type="slidenum">
+            <a:fld id="{8405DB9A-21FA-468B-8F60-3D4055B705F2}" type="slidenum">
               <a:t>&lt;#&gt;</a:t>
             </a:fld>
           </a:p>
@@ -327,7 +326,7 @@
       </p:grpSpPr>
       <p:sp>
         <p:nvSpPr>
-          <p:cNvPr id="29" name="PlaceHolder 1"/>
+          <p:cNvPr id="31" name="PlaceHolder 1"/>
           <p:cNvSpPr>
             <a:spLocks noGrp="1"/>
           </p:cNvSpPr>
@@ -367,7 +366,7 @@
       </p:sp>
       <p:sp>
         <p:nvSpPr>
-          <p:cNvPr id="30" name="PlaceHolder 2"/>
+          <p:cNvPr id="32" name="PlaceHolder 2"/>
           <p:cNvSpPr>
             <a:spLocks noGrp="1"/>
           </p:cNvSpPr>
@@ -410,7 +409,7 @@
       </p:sp>
       <p:sp>
         <p:nvSpPr>
-          <p:cNvPr id="31" name="PlaceHolder 3"/>
+          <p:cNvPr id="33" name="PlaceHolder 3"/>
           <p:cNvSpPr>
             <a:spLocks noGrp="1"/>
           </p:cNvSpPr>
@@ -453,7 +452,7 @@
       </p:sp>
       <p:sp>
         <p:nvSpPr>
-          <p:cNvPr id="32" name="PlaceHolder 4"/>
+          <p:cNvPr id="34" name="PlaceHolder 4"/>
           <p:cNvSpPr>
             <a:spLocks noGrp="1"/>
           </p:cNvSpPr>
@@ -496,7 +495,7 @@
       </p:sp>
       <p:sp>
         <p:nvSpPr>
-          <p:cNvPr id="33" name="PlaceHolder 5"/>
+          <p:cNvPr id="35" name="PlaceHolder 5"/>
           <p:cNvSpPr>
             <a:spLocks noGrp="1"/>
           </p:cNvSpPr>
@@ -571,7 +570,7 @@
         <p:txBody>
           <a:bodyPr/>
           <a:p>
-            <a:fld id="{C5D19CCA-2197-4634-AD3D-7E162C9E7EB1}" type="slidenum">
+            <a:fld id="{066BA2AB-D39A-4423-9601-D19A481F6D05}" type="slidenum">
               <a:t>&lt;#&gt;</a:t>
             </a:fld>
           </a:p>
@@ -622,7 +621,7 @@
       </p:grpSpPr>
       <p:sp>
         <p:nvSpPr>
-          <p:cNvPr id="34" name="PlaceHolder 1"/>
+          <p:cNvPr id="36" name="PlaceHolder 1"/>
           <p:cNvSpPr>
             <a:spLocks noGrp="1"/>
           </p:cNvSpPr>
@@ -662,7 +661,7 @@
       </p:sp>
       <p:sp>
         <p:nvSpPr>
-          <p:cNvPr id="35" name="PlaceHolder 2"/>
+          <p:cNvPr id="37" name="PlaceHolder 2"/>
           <p:cNvSpPr>
             <a:spLocks noGrp="1"/>
           </p:cNvSpPr>
@@ -705,7 +704,7 @@
       </p:sp>
       <p:sp>
         <p:nvSpPr>
-          <p:cNvPr id="36" name="PlaceHolder 3"/>
+          <p:cNvPr id="38" name="PlaceHolder 3"/>
           <p:cNvSpPr>
             <a:spLocks noGrp="1"/>
           </p:cNvSpPr>
@@ -748,7 +747,7 @@
       </p:sp>
       <p:sp>
         <p:nvSpPr>
-          <p:cNvPr id="37" name="PlaceHolder 4"/>
+          <p:cNvPr id="39" name="PlaceHolder 4"/>
           <p:cNvSpPr>
             <a:spLocks noGrp="1"/>
           </p:cNvSpPr>
@@ -791,7 +790,7 @@
       </p:sp>
       <p:sp>
         <p:nvSpPr>
-          <p:cNvPr id="38" name="PlaceHolder 5"/>
+          <p:cNvPr id="40" name="PlaceHolder 5"/>
           <p:cNvSpPr>
             <a:spLocks noGrp="1"/>
           </p:cNvSpPr>
@@ -834,7 +833,7 @@
       </p:sp>
       <p:sp>
         <p:nvSpPr>
-          <p:cNvPr id="39" name="PlaceHolder 6"/>
+          <p:cNvPr id="41" name="PlaceHolder 6"/>
           <p:cNvSpPr>
             <a:spLocks noGrp="1"/>
           </p:cNvSpPr>
@@ -877,7 +876,7 @@
       </p:sp>
       <p:sp>
         <p:nvSpPr>
-          <p:cNvPr id="40" name="PlaceHolder 7"/>
+          <p:cNvPr id="42" name="PlaceHolder 7"/>
           <p:cNvSpPr>
             <a:spLocks noGrp="1"/>
           </p:cNvSpPr>
@@ -952,7 +951,7 @@
         <p:txBody>
           <a:bodyPr/>
           <a:p>
-            <a:fld id="{E0DAB229-36D1-4233-906C-5BEF72E22484}" type="slidenum">
+            <a:fld id="{F8A16C5A-6FB7-43D1-9FA0-2C1B87E800CA}" type="slidenum">
               <a:t>&lt;#&gt;</a:t>
             </a:fld>
           </a:p>
@@ -966,1123 +965,6 @@
           </p:cNvSpPr>
           <p:nvPr>
             <p:ph type="dt" idx="3"/>
-          </p:nvPr>
-        </p:nvSpPr>
-        <p:spPr/>
-        <p:txBody>
-          <a:bodyPr/>
-          <a:p>
-            <a:r>
-              <a:rPr lang="pt-PT"/>
-              <a:t/>
-            </a:r>
-          </a:p>
-        </p:txBody>
-      </p:sp>
-    </p:spTree>
-  </p:cSld>
-</p:sldLayout>
-</file>
-
-<file path=ppt/slideLayouts/slideLayout13.xml><?xml version="1.0" encoding="utf-8"?>
-<p:sldLayout xmlns:a="http://schemas.openxmlformats.org/drawingml/2006/main" xmlns:p="http://schemas.openxmlformats.org/presentationml/2006/main" xmlns:r="http://schemas.openxmlformats.org/officeDocument/2006/relationships" xmlns:p14="http://schemas.microsoft.com/office/powerpoint/2010/main" xmlns:p15="http://schemas.microsoft.com/office/powerpoint/2012/main" xmlns:mc="http://schemas.openxmlformats.org/markup-compatibility/2006" type="blank" preserve="1">
-  <p:cSld name="Blank Slide">
-    <p:spTree>
-      <p:nvGrpSpPr>
-        <p:cNvPr id="1" name=""/>
-        <p:cNvGrpSpPr/>
-        <p:nvPr/>
-      </p:nvGrpSpPr>
-      <p:grpSpPr>
-        <a:xfrm>
-          <a:off x="0" y="0"/>
-          <a:ext cx="0" cy="0"/>
-          <a:chOff x="0" y="0"/>
-          <a:chExt cx="0" cy="0"/>
-        </a:xfrm>
-      </p:grpSpPr>
-      <p:sp>
-        <p:nvSpPr>
-          <p:cNvPr id="2" name="PlaceHolder 1"/>
-          <p:cNvSpPr>
-            <a:spLocks noGrp="1"/>
-          </p:cNvSpPr>
-          <p:nvPr>
-            <p:ph type="ftr" idx="4"/>
-          </p:nvPr>
-        </p:nvSpPr>
-        <p:spPr/>
-        <p:txBody>
-          <a:bodyPr/>
-          <a:p>
-            <a:r>
-              <a:t>Footer</a:t>
-            </a:r>
-          </a:p>
-        </p:txBody>
-      </p:sp>
-      <p:sp>
-        <p:nvSpPr>
-          <p:cNvPr id="3" name="PlaceHolder 2"/>
-          <p:cNvSpPr>
-            <a:spLocks noGrp="1"/>
-          </p:cNvSpPr>
-          <p:nvPr>
-            <p:ph type="sldNum" idx="5"/>
-          </p:nvPr>
-        </p:nvSpPr>
-        <p:spPr/>
-        <p:txBody>
-          <a:bodyPr/>
-          <a:p>
-            <a:fld id="{9D5DA7B5-3BAE-4CCA-8966-8B1C352AD3A6}" type="slidenum">
-              <a:t>&lt;#&gt;</a:t>
-            </a:fld>
-          </a:p>
-        </p:txBody>
-      </p:sp>
-      <p:sp>
-        <p:nvSpPr>
-          <p:cNvPr id="4" name="PlaceHolder 3"/>
-          <p:cNvSpPr>
-            <a:spLocks noGrp="1"/>
-          </p:cNvSpPr>
-          <p:nvPr>
-            <p:ph type="dt" idx="6"/>
-          </p:nvPr>
-        </p:nvSpPr>
-        <p:spPr/>
-        <p:txBody>
-          <a:bodyPr/>
-          <a:p>
-            <a:r>
-              <a:rPr lang="pt-PT"/>
-              <a:t/>
-            </a:r>
-          </a:p>
-        </p:txBody>
-      </p:sp>
-    </p:spTree>
-  </p:cSld>
-</p:sldLayout>
-</file>
-
-<file path=ppt/slideLayouts/slideLayout14.xml><?xml version="1.0" encoding="utf-8"?>
-<p:sldLayout xmlns:a="http://schemas.openxmlformats.org/drawingml/2006/main" xmlns:p="http://schemas.openxmlformats.org/presentationml/2006/main" xmlns:r="http://schemas.openxmlformats.org/officeDocument/2006/relationships" xmlns:p14="http://schemas.microsoft.com/office/powerpoint/2010/main" xmlns:p15="http://schemas.microsoft.com/office/powerpoint/2012/main" xmlns:mc="http://schemas.openxmlformats.org/markup-compatibility/2006" type="tx" preserve="1">
-  <p:cSld name="Title Slide">
-    <p:spTree>
-      <p:nvGrpSpPr>
-        <p:cNvPr id="1" name=""/>
-        <p:cNvGrpSpPr/>
-        <p:nvPr/>
-      </p:nvGrpSpPr>
-      <p:grpSpPr>
-        <a:xfrm>
-          <a:off x="0" y="0"/>
-          <a:ext cx="0" cy="0"/>
-          <a:chOff x="0" y="0"/>
-          <a:chExt cx="0" cy="0"/>
-        </a:xfrm>
-      </p:grpSpPr>
-      <p:sp>
-        <p:nvSpPr>
-          <p:cNvPr id="46" name="PlaceHolder 1"/>
-          <p:cNvSpPr>
-            <a:spLocks noGrp="1"/>
-          </p:cNvSpPr>
-          <p:nvPr>
-            <p:ph type="title"/>
-          </p:nvPr>
-        </p:nvSpPr>
-        <p:spPr>
-          <a:xfrm>
-            <a:off x="378000" y="426600"/>
-            <a:ext cx="6804720" cy="1785240"/>
-          </a:xfrm>
-          <a:prstGeom prst="rect">
-            <a:avLst/>
-          </a:prstGeom>
-          <a:noFill/>
-          <a:ln w="0">
-            <a:noFill/>
-          </a:ln>
-        </p:spPr>
-        <p:txBody>
-          <a:bodyPr lIns="0" rIns="0" tIns="0" bIns="0" anchor="ctr">
-            <a:noAutofit/>
-          </a:bodyPr>
-          <a:p>
-            <a:pPr indent="0" algn="ctr">
-              <a:buNone/>
-            </a:pPr>
-            <a:endParaRPr b="0" lang="pt-PT" sz="4400" spc="-1" strike="noStrike">
-              <a:solidFill>
-                <a:srgbClr val="000000"/>
-              </a:solidFill>
-              <a:latin typeface="Arial"/>
-            </a:endParaRPr>
-          </a:p>
-        </p:txBody>
-      </p:sp>
-      <p:sp>
-        <p:nvSpPr>
-          <p:cNvPr id="47" name="PlaceHolder 2"/>
-          <p:cNvSpPr>
-            <a:spLocks noGrp="1"/>
-          </p:cNvSpPr>
-          <p:nvPr>
-            <p:ph type="subTitle"/>
-          </p:nvPr>
-        </p:nvSpPr>
-        <p:spPr>
-          <a:xfrm>
-            <a:off x="378000" y="2502000"/>
-            <a:ext cx="6804720" cy="6201720"/>
-          </a:xfrm>
-          <a:prstGeom prst="rect">
-            <a:avLst/>
-          </a:prstGeom>
-          <a:noFill/>
-          <a:ln w="0">
-            <a:noFill/>
-          </a:ln>
-        </p:spPr>
-        <p:txBody>
-          <a:bodyPr lIns="0" rIns="0" tIns="0" bIns="0" anchor="ctr">
-            <a:noAutofit/>
-          </a:bodyPr>
-          <a:p>
-            <a:pPr indent="0" algn="ctr">
-              <a:buNone/>
-            </a:pPr>
-            <a:endParaRPr b="0" lang="pt-PT" sz="3200" spc="-1" strike="noStrike">
-              <a:solidFill>
-                <a:srgbClr val="000000"/>
-              </a:solidFill>
-              <a:latin typeface="Arial"/>
-            </a:endParaRPr>
-          </a:p>
-        </p:txBody>
-      </p:sp>
-      <p:sp>
-        <p:nvSpPr>
-          <p:cNvPr id="4" name="PlaceHolder 3"/>
-          <p:cNvSpPr>
-            <a:spLocks noGrp="1"/>
-          </p:cNvSpPr>
-          <p:nvPr>
-            <p:ph type="ftr" idx="4"/>
-          </p:nvPr>
-        </p:nvSpPr>
-        <p:spPr/>
-        <p:txBody>
-          <a:bodyPr/>
-          <a:p>
-            <a:r>
-              <a:t>Footer</a:t>
-            </a:r>
-          </a:p>
-        </p:txBody>
-      </p:sp>
-      <p:sp>
-        <p:nvSpPr>
-          <p:cNvPr id="5" name="PlaceHolder 4"/>
-          <p:cNvSpPr>
-            <a:spLocks noGrp="1"/>
-          </p:cNvSpPr>
-          <p:nvPr>
-            <p:ph type="sldNum" idx="5"/>
-          </p:nvPr>
-        </p:nvSpPr>
-        <p:spPr/>
-        <p:txBody>
-          <a:bodyPr/>
-          <a:p>
-            <a:fld id="{70FB2CD4-4835-4E43-B496-03EB13932781}" type="slidenum">
-              <a:t>&lt;#&gt;</a:t>
-            </a:fld>
-          </a:p>
-        </p:txBody>
-      </p:sp>
-      <p:sp>
-        <p:nvSpPr>
-          <p:cNvPr id="6" name="PlaceHolder 5"/>
-          <p:cNvSpPr>
-            <a:spLocks noGrp="1"/>
-          </p:cNvSpPr>
-          <p:nvPr>
-            <p:ph type="dt" idx="6"/>
-          </p:nvPr>
-        </p:nvSpPr>
-        <p:spPr/>
-        <p:txBody>
-          <a:bodyPr/>
-          <a:p>
-            <a:r>
-              <a:rPr lang="pt-PT"/>
-              <a:t/>
-            </a:r>
-          </a:p>
-        </p:txBody>
-      </p:sp>
-    </p:spTree>
-  </p:cSld>
-</p:sldLayout>
-</file>
-
-<file path=ppt/slideLayouts/slideLayout15.xml><?xml version="1.0" encoding="utf-8"?>
-<p:sldLayout xmlns:a="http://schemas.openxmlformats.org/drawingml/2006/main" xmlns:p="http://schemas.openxmlformats.org/presentationml/2006/main" xmlns:r="http://schemas.openxmlformats.org/officeDocument/2006/relationships" xmlns:p14="http://schemas.microsoft.com/office/powerpoint/2010/main" xmlns:p15="http://schemas.microsoft.com/office/powerpoint/2012/main" xmlns:mc="http://schemas.openxmlformats.org/markup-compatibility/2006" type="obj" preserve="1">
-  <p:cSld name="Title, Content">
-    <p:spTree>
-      <p:nvGrpSpPr>
-        <p:cNvPr id="1" name=""/>
-        <p:cNvGrpSpPr/>
-        <p:nvPr/>
-      </p:nvGrpSpPr>
-      <p:grpSpPr>
-        <a:xfrm>
-          <a:off x="0" y="0"/>
-          <a:ext cx="0" cy="0"/>
-          <a:chOff x="0" y="0"/>
-          <a:chExt cx="0" cy="0"/>
-        </a:xfrm>
-      </p:grpSpPr>
-      <p:sp>
-        <p:nvSpPr>
-          <p:cNvPr id="48" name="PlaceHolder 1"/>
-          <p:cNvSpPr>
-            <a:spLocks noGrp="1"/>
-          </p:cNvSpPr>
-          <p:nvPr>
-            <p:ph type="title"/>
-          </p:nvPr>
-        </p:nvSpPr>
-        <p:spPr>
-          <a:xfrm>
-            <a:off x="378000" y="426600"/>
-            <a:ext cx="6804720" cy="1785240"/>
-          </a:xfrm>
-          <a:prstGeom prst="rect">
-            <a:avLst/>
-          </a:prstGeom>
-          <a:noFill/>
-          <a:ln w="0">
-            <a:noFill/>
-          </a:ln>
-        </p:spPr>
-        <p:txBody>
-          <a:bodyPr lIns="0" rIns="0" tIns="0" bIns="0" anchor="ctr">
-            <a:noAutofit/>
-          </a:bodyPr>
-          <a:p>
-            <a:pPr indent="0" algn="ctr">
-              <a:buNone/>
-            </a:pPr>
-            <a:endParaRPr b="0" lang="pt-PT" sz="4400" spc="-1" strike="noStrike">
-              <a:solidFill>
-                <a:srgbClr val="000000"/>
-              </a:solidFill>
-              <a:latin typeface="Arial"/>
-            </a:endParaRPr>
-          </a:p>
-        </p:txBody>
-      </p:sp>
-      <p:sp>
-        <p:nvSpPr>
-          <p:cNvPr id="49" name="PlaceHolder 2"/>
-          <p:cNvSpPr>
-            <a:spLocks noGrp="1"/>
-          </p:cNvSpPr>
-          <p:nvPr>
-            <p:ph/>
-          </p:nvPr>
-        </p:nvSpPr>
-        <p:spPr>
-          <a:xfrm>
-            <a:off x="378000" y="2502000"/>
-            <a:ext cx="6804720" cy="6201720"/>
-          </a:xfrm>
-          <a:prstGeom prst="rect">
-            <a:avLst/>
-          </a:prstGeom>
-          <a:noFill/>
-          <a:ln w="0">
-            <a:noFill/>
-          </a:ln>
-        </p:spPr>
-        <p:txBody>
-          <a:bodyPr lIns="0" rIns="0" tIns="0" bIns="0" anchor="t">
-            <a:normAutofit/>
-          </a:bodyPr>
-          <a:p>
-            <a:pPr indent="0">
-              <a:spcBef>
-                <a:spcPts val="1417"/>
-              </a:spcBef>
-              <a:buNone/>
-            </a:pPr>
-            <a:endParaRPr b="0" lang="pt-PT" sz="3200" spc="-1" strike="noStrike">
-              <a:solidFill>
-                <a:srgbClr val="000000"/>
-              </a:solidFill>
-              <a:latin typeface="Arial"/>
-            </a:endParaRPr>
-          </a:p>
-        </p:txBody>
-      </p:sp>
-      <p:sp>
-        <p:nvSpPr>
-          <p:cNvPr id="4" name="PlaceHolder 3"/>
-          <p:cNvSpPr>
-            <a:spLocks noGrp="1"/>
-          </p:cNvSpPr>
-          <p:nvPr>
-            <p:ph type="ftr" idx="4"/>
-          </p:nvPr>
-        </p:nvSpPr>
-        <p:spPr/>
-        <p:txBody>
-          <a:bodyPr/>
-          <a:p>
-            <a:r>
-              <a:t>Footer</a:t>
-            </a:r>
-          </a:p>
-        </p:txBody>
-      </p:sp>
-      <p:sp>
-        <p:nvSpPr>
-          <p:cNvPr id="5" name="PlaceHolder 4"/>
-          <p:cNvSpPr>
-            <a:spLocks noGrp="1"/>
-          </p:cNvSpPr>
-          <p:nvPr>
-            <p:ph type="sldNum" idx="5"/>
-          </p:nvPr>
-        </p:nvSpPr>
-        <p:spPr/>
-        <p:txBody>
-          <a:bodyPr/>
-          <a:p>
-            <a:fld id="{CA53A8F1-46E8-4036-87A3-0E03DB1D5E6F}" type="slidenum">
-              <a:t>&lt;#&gt;</a:t>
-            </a:fld>
-          </a:p>
-        </p:txBody>
-      </p:sp>
-      <p:sp>
-        <p:nvSpPr>
-          <p:cNvPr id="6" name="PlaceHolder 5"/>
-          <p:cNvSpPr>
-            <a:spLocks noGrp="1"/>
-          </p:cNvSpPr>
-          <p:nvPr>
-            <p:ph type="dt" idx="6"/>
-          </p:nvPr>
-        </p:nvSpPr>
-        <p:spPr/>
-        <p:txBody>
-          <a:bodyPr/>
-          <a:p>
-            <a:r>
-              <a:rPr lang="pt-PT"/>
-              <a:t/>
-            </a:r>
-          </a:p>
-        </p:txBody>
-      </p:sp>
-    </p:spTree>
-  </p:cSld>
-</p:sldLayout>
-</file>
-
-<file path=ppt/slideLayouts/slideLayout16.xml><?xml version="1.0" encoding="utf-8"?>
-<p:sldLayout xmlns:a="http://schemas.openxmlformats.org/drawingml/2006/main" xmlns:p="http://schemas.openxmlformats.org/presentationml/2006/main" xmlns:r="http://schemas.openxmlformats.org/officeDocument/2006/relationships" xmlns:p14="http://schemas.microsoft.com/office/powerpoint/2010/main" xmlns:p15="http://schemas.microsoft.com/office/powerpoint/2012/main" xmlns:mc="http://schemas.openxmlformats.org/markup-compatibility/2006" type="twoObj" preserve="1">
-  <p:cSld name="Title, 2 Content">
-    <p:spTree>
-      <p:nvGrpSpPr>
-        <p:cNvPr id="1" name=""/>
-        <p:cNvGrpSpPr/>
-        <p:nvPr/>
-      </p:nvGrpSpPr>
-      <p:grpSpPr>
-        <a:xfrm>
-          <a:off x="0" y="0"/>
-          <a:ext cx="0" cy="0"/>
-          <a:chOff x="0" y="0"/>
-          <a:chExt cx="0" cy="0"/>
-        </a:xfrm>
-      </p:grpSpPr>
-      <p:sp>
-        <p:nvSpPr>
-          <p:cNvPr id="50" name="PlaceHolder 1"/>
-          <p:cNvSpPr>
-            <a:spLocks noGrp="1"/>
-          </p:cNvSpPr>
-          <p:nvPr>
-            <p:ph type="title"/>
-          </p:nvPr>
-        </p:nvSpPr>
-        <p:spPr>
-          <a:xfrm>
-            <a:off x="378000" y="426600"/>
-            <a:ext cx="6804720" cy="1785240"/>
-          </a:xfrm>
-          <a:prstGeom prst="rect">
-            <a:avLst/>
-          </a:prstGeom>
-          <a:noFill/>
-          <a:ln w="0">
-            <a:noFill/>
-          </a:ln>
-        </p:spPr>
-        <p:txBody>
-          <a:bodyPr lIns="0" rIns="0" tIns="0" bIns="0" anchor="ctr">
-            <a:noAutofit/>
-          </a:bodyPr>
-          <a:p>
-            <a:pPr indent="0" algn="ctr">
-              <a:buNone/>
-            </a:pPr>
-            <a:endParaRPr b="0" lang="pt-PT" sz="4400" spc="-1" strike="noStrike">
-              <a:solidFill>
-                <a:srgbClr val="000000"/>
-              </a:solidFill>
-              <a:latin typeface="Arial"/>
-            </a:endParaRPr>
-          </a:p>
-        </p:txBody>
-      </p:sp>
-      <p:sp>
-        <p:nvSpPr>
-          <p:cNvPr id="51" name="PlaceHolder 2"/>
-          <p:cNvSpPr>
-            <a:spLocks noGrp="1"/>
-          </p:cNvSpPr>
-          <p:nvPr>
-            <p:ph/>
-          </p:nvPr>
-        </p:nvSpPr>
-        <p:spPr>
-          <a:xfrm>
-            <a:off x="378000" y="2502000"/>
-            <a:ext cx="3320640" cy="6201720"/>
-          </a:xfrm>
-          <a:prstGeom prst="rect">
-            <a:avLst/>
-          </a:prstGeom>
-          <a:noFill/>
-          <a:ln w="0">
-            <a:noFill/>
-          </a:ln>
-        </p:spPr>
-        <p:txBody>
-          <a:bodyPr lIns="0" rIns="0" tIns="0" bIns="0" anchor="t">
-            <a:normAutofit/>
-          </a:bodyPr>
-          <a:p>
-            <a:pPr indent="0">
-              <a:spcBef>
-                <a:spcPts val="1417"/>
-              </a:spcBef>
-              <a:buNone/>
-            </a:pPr>
-            <a:endParaRPr b="0" lang="pt-PT" sz="3200" spc="-1" strike="noStrike">
-              <a:solidFill>
-                <a:srgbClr val="000000"/>
-              </a:solidFill>
-              <a:latin typeface="Arial"/>
-            </a:endParaRPr>
-          </a:p>
-        </p:txBody>
-      </p:sp>
-      <p:sp>
-        <p:nvSpPr>
-          <p:cNvPr id="52" name="PlaceHolder 3"/>
-          <p:cNvSpPr>
-            <a:spLocks noGrp="1"/>
-          </p:cNvSpPr>
-          <p:nvPr>
-            <p:ph/>
-          </p:nvPr>
-        </p:nvSpPr>
-        <p:spPr>
-          <a:xfrm>
-            <a:off x="3864960" y="2502000"/>
-            <a:ext cx="3320640" cy="6201720"/>
-          </a:xfrm>
-          <a:prstGeom prst="rect">
-            <a:avLst/>
-          </a:prstGeom>
-          <a:noFill/>
-          <a:ln w="0">
-            <a:noFill/>
-          </a:ln>
-        </p:spPr>
-        <p:txBody>
-          <a:bodyPr lIns="0" rIns="0" tIns="0" bIns="0" anchor="t">
-            <a:normAutofit/>
-          </a:bodyPr>
-          <a:p>
-            <a:pPr indent="0">
-              <a:spcBef>
-                <a:spcPts val="1417"/>
-              </a:spcBef>
-              <a:buNone/>
-            </a:pPr>
-            <a:endParaRPr b="0" lang="pt-PT" sz="3200" spc="-1" strike="noStrike">
-              <a:solidFill>
-                <a:srgbClr val="000000"/>
-              </a:solidFill>
-              <a:latin typeface="Arial"/>
-            </a:endParaRPr>
-          </a:p>
-        </p:txBody>
-      </p:sp>
-      <p:sp>
-        <p:nvSpPr>
-          <p:cNvPr id="5" name="PlaceHolder 4"/>
-          <p:cNvSpPr>
-            <a:spLocks noGrp="1"/>
-          </p:cNvSpPr>
-          <p:nvPr>
-            <p:ph type="ftr" idx="4"/>
-          </p:nvPr>
-        </p:nvSpPr>
-        <p:spPr/>
-        <p:txBody>
-          <a:bodyPr/>
-          <a:p>
-            <a:r>
-              <a:t>Footer</a:t>
-            </a:r>
-          </a:p>
-        </p:txBody>
-      </p:sp>
-      <p:sp>
-        <p:nvSpPr>
-          <p:cNvPr id="6" name="PlaceHolder 5"/>
-          <p:cNvSpPr>
-            <a:spLocks noGrp="1"/>
-          </p:cNvSpPr>
-          <p:nvPr>
-            <p:ph type="sldNum" idx="5"/>
-          </p:nvPr>
-        </p:nvSpPr>
-        <p:spPr/>
-        <p:txBody>
-          <a:bodyPr/>
-          <a:p>
-            <a:fld id="{33036F52-849B-4CFD-9022-20CECF312744}" type="slidenum">
-              <a:t>&lt;#&gt;</a:t>
-            </a:fld>
-          </a:p>
-        </p:txBody>
-      </p:sp>
-      <p:sp>
-        <p:nvSpPr>
-          <p:cNvPr id="7" name="PlaceHolder 6"/>
-          <p:cNvSpPr>
-            <a:spLocks noGrp="1"/>
-          </p:cNvSpPr>
-          <p:nvPr>
-            <p:ph type="dt" idx="6"/>
-          </p:nvPr>
-        </p:nvSpPr>
-        <p:spPr/>
-        <p:txBody>
-          <a:bodyPr/>
-          <a:p>
-            <a:r>
-              <a:rPr lang="pt-PT"/>
-              <a:t/>
-            </a:r>
-          </a:p>
-        </p:txBody>
-      </p:sp>
-    </p:spTree>
-  </p:cSld>
-</p:sldLayout>
-</file>
-
-<file path=ppt/slideLayouts/slideLayout17.xml><?xml version="1.0" encoding="utf-8"?>
-<p:sldLayout xmlns:a="http://schemas.openxmlformats.org/drawingml/2006/main" xmlns:p="http://schemas.openxmlformats.org/presentationml/2006/main" xmlns:r="http://schemas.openxmlformats.org/officeDocument/2006/relationships" xmlns:p14="http://schemas.microsoft.com/office/powerpoint/2010/main" xmlns:p15="http://schemas.microsoft.com/office/powerpoint/2012/main" xmlns:mc="http://schemas.openxmlformats.org/markup-compatibility/2006" type="titleOnly" preserve="1">
-  <p:cSld name="Title Only">
-    <p:spTree>
-      <p:nvGrpSpPr>
-        <p:cNvPr id="1" name=""/>
-        <p:cNvGrpSpPr/>
-        <p:nvPr/>
-      </p:nvGrpSpPr>
-      <p:grpSpPr>
-        <a:xfrm>
-          <a:off x="0" y="0"/>
-          <a:ext cx="0" cy="0"/>
-          <a:chOff x="0" y="0"/>
-          <a:chExt cx="0" cy="0"/>
-        </a:xfrm>
-      </p:grpSpPr>
-      <p:sp>
-        <p:nvSpPr>
-          <p:cNvPr id="53" name="PlaceHolder 1"/>
-          <p:cNvSpPr>
-            <a:spLocks noGrp="1"/>
-          </p:cNvSpPr>
-          <p:nvPr>
-            <p:ph type="title"/>
-          </p:nvPr>
-        </p:nvSpPr>
-        <p:spPr>
-          <a:xfrm>
-            <a:off x="378000" y="426600"/>
-            <a:ext cx="6804720" cy="1785240"/>
-          </a:xfrm>
-          <a:prstGeom prst="rect">
-            <a:avLst/>
-          </a:prstGeom>
-          <a:noFill/>
-          <a:ln w="0">
-            <a:noFill/>
-          </a:ln>
-        </p:spPr>
-        <p:txBody>
-          <a:bodyPr lIns="0" rIns="0" tIns="0" bIns="0" anchor="ctr">
-            <a:noAutofit/>
-          </a:bodyPr>
-          <a:p>
-            <a:pPr indent="0" algn="ctr">
-              <a:buNone/>
-            </a:pPr>
-            <a:endParaRPr b="0" lang="pt-PT" sz="4400" spc="-1" strike="noStrike">
-              <a:solidFill>
-                <a:srgbClr val="000000"/>
-              </a:solidFill>
-              <a:latin typeface="Arial"/>
-            </a:endParaRPr>
-          </a:p>
-        </p:txBody>
-      </p:sp>
-      <p:sp>
-        <p:nvSpPr>
-          <p:cNvPr id="3" name="PlaceHolder 2"/>
-          <p:cNvSpPr>
-            <a:spLocks noGrp="1"/>
-          </p:cNvSpPr>
-          <p:nvPr>
-            <p:ph type="ftr" idx="4"/>
-          </p:nvPr>
-        </p:nvSpPr>
-        <p:spPr/>
-        <p:txBody>
-          <a:bodyPr/>
-          <a:p>
-            <a:r>
-              <a:t>Footer</a:t>
-            </a:r>
-          </a:p>
-        </p:txBody>
-      </p:sp>
-      <p:sp>
-        <p:nvSpPr>
-          <p:cNvPr id="4" name="PlaceHolder 3"/>
-          <p:cNvSpPr>
-            <a:spLocks noGrp="1"/>
-          </p:cNvSpPr>
-          <p:nvPr>
-            <p:ph type="sldNum" idx="5"/>
-          </p:nvPr>
-        </p:nvSpPr>
-        <p:spPr/>
-        <p:txBody>
-          <a:bodyPr/>
-          <a:p>
-            <a:fld id="{7E11D8C3-7CF1-4651-B496-ACA67ED9D066}" type="slidenum">
-              <a:t>&lt;#&gt;</a:t>
-            </a:fld>
-          </a:p>
-        </p:txBody>
-      </p:sp>
-      <p:sp>
-        <p:nvSpPr>
-          <p:cNvPr id="5" name="PlaceHolder 4"/>
-          <p:cNvSpPr>
-            <a:spLocks noGrp="1"/>
-          </p:cNvSpPr>
-          <p:nvPr>
-            <p:ph type="dt" idx="6"/>
-          </p:nvPr>
-        </p:nvSpPr>
-        <p:spPr/>
-        <p:txBody>
-          <a:bodyPr/>
-          <a:p>
-            <a:r>
-              <a:rPr lang="pt-PT"/>
-              <a:t/>
-            </a:r>
-          </a:p>
-        </p:txBody>
-      </p:sp>
-    </p:spTree>
-  </p:cSld>
-</p:sldLayout>
-</file>
-
-<file path=ppt/slideLayouts/slideLayout18.xml><?xml version="1.0" encoding="utf-8"?>
-<p:sldLayout xmlns:a="http://schemas.openxmlformats.org/drawingml/2006/main" xmlns:p="http://schemas.openxmlformats.org/presentationml/2006/main" xmlns:r="http://schemas.openxmlformats.org/officeDocument/2006/relationships" xmlns:p14="http://schemas.microsoft.com/office/powerpoint/2010/main" xmlns:p15="http://schemas.microsoft.com/office/powerpoint/2012/main" xmlns:mc="http://schemas.openxmlformats.org/markup-compatibility/2006" type="objOnly" preserve="1">
-  <p:cSld name="Centered Text">
-    <p:spTree>
-      <p:nvGrpSpPr>
-        <p:cNvPr id="1" name=""/>
-        <p:cNvGrpSpPr/>
-        <p:nvPr/>
-      </p:nvGrpSpPr>
-      <p:grpSpPr>
-        <a:xfrm>
-          <a:off x="0" y="0"/>
-          <a:ext cx="0" cy="0"/>
-          <a:chOff x="0" y="0"/>
-          <a:chExt cx="0" cy="0"/>
-        </a:xfrm>
-      </p:grpSpPr>
-      <p:sp>
-        <p:nvSpPr>
-          <p:cNvPr id="54" name="PlaceHolder 1"/>
-          <p:cNvSpPr>
-            <a:spLocks noGrp="1"/>
-          </p:cNvSpPr>
-          <p:nvPr>
-            <p:ph type="subTitle"/>
-          </p:nvPr>
-        </p:nvSpPr>
-        <p:spPr>
-          <a:xfrm>
-            <a:off x="378000" y="426600"/>
-            <a:ext cx="6804720" cy="8276760"/>
-          </a:xfrm>
-          <a:prstGeom prst="rect">
-            <a:avLst/>
-          </a:prstGeom>
-          <a:noFill/>
-          <a:ln w="0">
-            <a:noFill/>
-          </a:ln>
-        </p:spPr>
-        <p:txBody>
-          <a:bodyPr lIns="0" rIns="0" tIns="0" bIns="0" anchor="ctr">
-            <a:noAutofit/>
-          </a:bodyPr>
-          <a:p>
-            <a:pPr algn="ctr"/>
-            <a:endParaRPr b="0" lang="pt-PT" sz="3200" spc="-1" strike="noStrike">
-              <a:solidFill>
-                <a:srgbClr val="000000"/>
-              </a:solidFill>
-              <a:latin typeface="Arial"/>
-            </a:endParaRPr>
-          </a:p>
-        </p:txBody>
-      </p:sp>
-      <p:sp>
-        <p:nvSpPr>
-          <p:cNvPr id="3" name="PlaceHolder 2"/>
-          <p:cNvSpPr>
-            <a:spLocks noGrp="1"/>
-          </p:cNvSpPr>
-          <p:nvPr>
-            <p:ph type="ftr" idx="4"/>
-          </p:nvPr>
-        </p:nvSpPr>
-        <p:spPr/>
-        <p:txBody>
-          <a:bodyPr/>
-          <a:p>
-            <a:r>
-              <a:t>Footer</a:t>
-            </a:r>
-          </a:p>
-        </p:txBody>
-      </p:sp>
-      <p:sp>
-        <p:nvSpPr>
-          <p:cNvPr id="4" name="PlaceHolder 3"/>
-          <p:cNvSpPr>
-            <a:spLocks noGrp="1"/>
-          </p:cNvSpPr>
-          <p:nvPr>
-            <p:ph type="sldNum" idx="5"/>
-          </p:nvPr>
-        </p:nvSpPr>
-        <p:spPr/>
-        <p:txBody>
-          <a:bodyPr/>
-          <a:p>
-            <a:fld id="{243DF242-B7B6-4DC6-975E-0EF3E69D9444}" type="slidenum">
-              <a:t>&lt;#&gt;</a:t>
-            </a:fld>
-          </a:p>
-        </p:txBody>
-      </p:sp>
-      <p:sp>
-        <p:nvSpPr>
-          <p:cNvPr id="5" name="PlaceHolder 4"/>
-          <p:cNvSpPr>
-            <a:spLocks noGrp="1"/>
-          </p:cNvSpPr>
-          <p:nvPr>
-            <p:ph type="dt" idx="6"/>
-          </p:nvPr>
-        </p:nvSpPr>
-        <p:spPr/>
-        <p:txBody>
-          <a:bodyPr/>
-          <a:p>
-            <a:r>
-              <a:rPr lang="pt-PT"/>
-              <a:t/>
-            </a:r>
-          </a:p>
-        </p:txBody>
-      </p:sp>
-    </p:spTree>
-  </p:cSld>
-</p:sldLayout>
-</file>
-
-<file path=ppt/slideLayouts/slideLayout19.xml><?xml version="1.0" encoding="utf-8"?>
-<p:sldLayout xmlns:a="http://schemas.openxmlformats.org/drawingml/2006/main" xmlns:p="http://schemas.openxmlformats.org/presentationml/2006/main" xmlns:r="http://schemas.openxmlformats.org/officeDocument/2006/relationships" xmlns:p14="http://schemas.microsoft.com/office/powerpoint/2010/main" xmlns:p15="http://schemas.microsoft.com/office/powerpoint/2012/main" xmlns:mc="http://schemas.openxmlformats.org/markup-compatibility/2006" type="twoObjAndObj" preserve="1">
-  <p:cSld name="Title, 2 Content and Content">
-    <p:spTree>
-      <p:nvGrpSpPr>
-        <p:cNvPr id="1" name=""/>
-        <p:cNvGrpSpPr/>
-        <p:nvPr/>
-      </p:nvGrpSpPr>
-      <p:grpSpPr>
-        <a:xfrm>
-          <a:off x="0" y="0"/>
-          <a:ext cx="0" cy="0"/>
-          <a:chOff x="0" y="0"/>
-          <a:chExt cx="0" cy="0"/>
-        </a:xfrm>
-      </p:grpSpPr>
-      <p:sp>
-        <p:nvSpPr>
-          <p:cNvPr id="55" name="PlaceHolder 1"/>
-          <p:cNvSpPr>
-            <a:spLocks noGrp="1"/>
-          </p:cNvSpPr>
-          <p:nvPr>
-            <p:ph type="title"/>
-          </p:nvPr>
-        </p:nvSpPr>
-        <p:spPr>
-          <a:xfrm>
-            <a:off x="378000" y="426600"/>
-            <a:ext cx="6804720" cy="1785240"/>
-          </a:xfrm>
-          <a:prstGeom prst="rect">
-            <a:avLst/>
-          </a:prstGeom>
-          <a:noFill/>
-          <a:ln w="0">
-            <a:noFill/>
-          </a:ln>
-        </p:spPr>
-        <p:txBody>
-          <a:bodyPr lIns="0" rIns="0" tIns="0" bIns="0" anchor="ctr">
-            <a:noAutofit/>
-          </a:bodyPr>
-          <a:p>
-            <a:pPr indent="0" algn="ctr">
-              <a:buNone/>
-            </a:pPr>
-            <a:endParaRPr b="0" lang="pt-PT" sz="4400" spc="-1" strike="noStrike">
-              <a:solidFill>
-                <a:srgbClr val="000000"/>
-              </a:solidFill>
-              <a:latin typeface="Arial"/>
-            </a:endParaRPr>
-          </a:p>
-        </p:txBody>
-      </p:sp>
-      <p:sp>
-        <p:nvSpPr>
-          <p:cNvPr id="56" name="PlaceHolder 2"/>
-          <p:cNvSpPr>
-            <a:spLocks noGrp="1"/>
-          </p:cNvSpPr>
-          <p:nvPr>
-            <p:ph/>
-          </p:nvPr>
-        </p:nvSpPr>
-        <p:spPr>
-          <a:xfrm>
-            <a:off x="378000" y="2502000"/>
-            <a:ext cx="3320640" cy="2958120"/>
-          </a:xfrm>
-          <a:prstGeom prst="rect">
-            <a:avLst/>
-          </a:prstGeom>
-          <a:noFill/>
-          <a:ln w="0">
-            <a:noFill/>
-          </a:ln>
-        </p:spPr>
-        <p:txBody>
-          <a:bodyPr lIns="0" rIns="0" tIns="0" bIns="0" anchor="t">
-            <a:normAutofit/>
-          </a:bodyPr>
-          <a:p>
-            <a:pPr indent="0">
-              <a:spcBef>
-                <a:spcPts val="1417"/>
-              </a:spcBef>
-              <a:buNone/>
-            </a:pPr>
-            <a:endParaRPr b="0" lang="pt-PT" sz="3200" spc="-1" strike="noStrike">
-              <a:solidFill>
-                <a:srgbClr val="000000"/>
-              </a:solidFill>
-              <a:latin typeface="Arial"/>
-            </a:endParaRPr>
-          </a:p>
-        </p:txBody>
-      </p:sp>
-      <p:sp>
-        <p:nvSpPr>
-          <p:cNvPr id="57" name="PlaceHolder 3"/>
-          <p:cNvSpPr>
-            <a:spLocks noGrp="1"/>
-          </p:cNvSpPr>
-          <p:nvPr>
-            <p:ph/>
-          </p:nvPr>
-        </p:nvSpPr>
-        <p:spPr>
-          <a:xfrm>
-            <a:off x="3864960" y="2502000"/>
-            <a:ext cx="3320640" cy="6201720"/>
-          </a:xfrm>
-          <a:prstGeom prst="rect">
-            <a:avLst/>
-          </a:prstGeom>
-          <a:noFill/>
-          <a:ln w="0">
-            <a:noFill/>
-          </a:ln>
-        </p:spPr>
-        <p:txBody>
-          <a:bodyPr lIns="0" rIns="0" tIns="0" bIns="0" anchor="t">
-            <a:normAutofit/>
-          </a:bodyPr>
-          <a:p>
-            <a:pPr indent="0">
-              <a:spcBef>
-                <a:spcPts val="1417"/>
-              </a:spcBef>
-              <a:buNone/>
-            </a:pPr>
-            <a:endParaRPr b="0" lang="pt-PT" sz="3200" spc="-1" strike="noStrike">
-              <a:solidFill>
-                <a:srgbClr val="000000"/>
-              </a:solidFill>
-              <a:latin typeface="Arial"/>
-            </a:endParaRPr>
-          </a:p>
-        </p:txBody>
-      </p:sp>
-      <p:sp>
-        <p:nvSpPr>
-          <p:cNvPr id="58" name="PlaceHolder 4"/>
-          <p:cNvSpPr>
-            <a:spLocks noGrp="1"/>
-          </p:cNvSpPr>
-          <p:nvPr>
-            <p:ph/>
-          </p:nvPr>
-        </p:nvSpPr>
-        <p:spPr>
-          <a:xfrm>
-            <a:off x="378000" y="5741640"/>
-            <a:ext cx="3320640" cy="2958120"/>
-          </a:xfrm>
-          <a:prstGeom prst="rect">
-            <a:avLst/>
-          </a:prstGeom>
-          <a:noFill/>
-          <a:ln w="0">
-            <a:noFill/>
-          </a:ln>
-        </p:spPr>
-        <p:txBody>
-          <a:bodyPr lIns="0" rIns="0" tIns="0" bIns="0" anchor="t">
-            <a:normAutofit/>
-          </a:bodyPr>
-          <a:p>
-            <a:pPr indent="0">
-              <a:spcBef>
-                <a:spcPts val="1417"/>
-              </a:spcBef>
-              <a:buNone/>
-            </a:pPr>
-            <a:endParaRPr b="0" lang="pt-PT" sz="3200" spc="-1" strike="noStrike">
-              <a:solidFill>
-                <a:srgbClr val="000000"/>
-              </a:solidFill>
-              <a:latin typeface="Arial"/>
-            </a:endParaRPr>
-          </a:p>
-        </p:txBody>
-      </p:sp>
-      <p:sp>
-        <p:nvSpPr>
-          <p:cNvPr id="6" name="PlaceHolder 5"/>
-          <p:cNvSpPr>
-            <a:spLocks noGrp="1"/>
-          </p:cNvSpPr>
-          <p:nvPr>
-            <p:ph type="ftr" idx="4"/>
-          </p:nvPr>
-        </p:nvSpPr>
-        <p:spPr/>
-        <p:txBody>
-          <a:bodyPr/>
-          <a:p>
-            <a:r>
-              <a:t>Footer</a:t>
-            </a:r>
-          </a:p>
-        </p:txBody>
-      </p:sp>
-      <p:sp>
-        <p:nvSpPr>
-          <p:cNvPr id="7" name="PlaceHolder 6"/>
-          <p:cNvSpPr>
-            <a:spLocks noGrp="1"/>
-          </p:cNvSpPr>
-          <p:nvPr>
-            <p:ph type="sldNum" idx="5"/>
-          </p:nvPr>
-        </p:nvSpPr>
-        <p:spPr/>
-        <p:txBody>
-          <a:bodyPr/>
-          <a:p>
-            <a:fld id="{BB075C4D-B0C7-4509-9943-B359ED09C3E9}" type="slidenum">
-              <a:t>&lt;#&gt;</a:t>
-            </a:fld>
-          </a:p>
-        </p:txBody>
-      </p:sp>
-      <p:sp>
-        <p:nvSpPr>
-          <p:cNvPr id="8" name="PlaceHolder 7"/>
-          <p:cNvSpPr>
-            <a:spLocks noGrp="1"/>
-          </p:cNvSpPr>
-          <p:nvPr>
-            <p:ph type="dt" idx="6"/>
           </p:nvPr>
         </p:nvSpPr>
         <p:spPr/>
@@ -2120,7 +1002,7 @@
       </p:grpSpPr>
       <p:sp>
         <p:nvSpPr>
-          <p:cNvPr id="5" name="PlaceHolder 1"/>
+          <p:cNvPr id="7" name="PlaceHolder 1"/>
           <p:cNvSpPr>
             <a:spLocks noGrp="1"/>
           </p:cNvSpPr>
@@ -2160,7 +1042,7 @@
       </p:sp>
       <p:sp>
         <p:nvSpPr>
-          <p:cNvPr id="6" name="PlaceHolder 2"/>
+          <p:cNvPr id="8" name="PlaceHolder 2"/>
           <p:cNvSpPr>
             <a:spLocks noGrp="1"/>
           </p:cNvSpPr>
@@ -2232,7 +1114,7 @@
         <p:txBody>
           <a:bodyPr/>
           <a:p>
-            <a:fld id="{D6E013FE-9BC1-4A75-904F-066CCD95823C}" type="slidenum">
+            <a:fld id="{9FD639F0-521B-405A-A4DB-EDE04555500D}" type="slidenum">
               <a:t>&lt;#&gt;</a:t>
             </a:fld>
           </a:p>
@@ -2246,1395 +1128,6 @@
           </p:cNvSpPr>
           <p:nvPr>
             <p:ph type="dt" idx="3"/>
-          </p:nvPr>
-        </p:nvSpPr>
-        <p:spPr/>
-        <p:txBody>
-          <a:bodyPr/>
-          <a:p>
-            <a:r>
-              <a:rPr lang="pt-PT"/>
-              <a:t/>
-            </a:r>
-          </a:p>
-        </p:txBody>
-      </p:sp>
-    </p:spTree>
-  </p:cSld>
-</p:sldLayout>
-</file>
-
-<file path=ppt/slideLayouts/slideLayout20.xml><?xml version="1.0" encoding="utf-8"?>
-<p:sldLayout xmlns:a="http://schemas.openxmlformats.org/drawingml/2006/main" xmlns:p="http://schemas.openxmlformats.org/presentationml/2006/main" xmlns:r="http://schemas.openxmlformats.org/officeDocument/2006/relationships" xmlns:p14="http://schemas.microsoft.com/office/powerpoint/2010/main" xmlns:p15="http://schemas.microsoft.com/office/powerpoint/2012/main" xmlns:mc="http://schemas.openxmlformats.org/markup-compatibility/2006" type="objAndTwoObj" preserve="1">
-  <p:cSld name="Title Content and 2 Content">
-    <p:spTree>
-      <p:nvGrpSpPr>
-        <p:cNvPr id="1" name=""/>
-        <p:cNvGrpSpPr/>
-        <p:nvPr/>
-      </p:nvGrpSpPr>
-      <p:grpSpPr>
-        <a:xfrm>
-          <a:off x="0" y="0"/>
-          <a:ext cx="0" cy="0"/>
-          <a:chOff x="0" y="0"/>
-          <a:chExt cx="0" cy="0"/>
-        </a:xfrm>
-      </p:grpSpPr>
-      <p:sp>
-        <p:nvSpPr>
-          <p:cNvPr id="59" name="PlaceHolder 1"/>
-          <p:cNvSpPr>
-            <a:spLocks noGrp="1"/>
-          </p:cNvSpPr>
-          <p:nvPr>
-            <p:ph type="title"/>
-          </p:nvPr>
-        </p:nvSpPr>
-        <p:spPr>
-          <a:xfrm>
-            <a:off x="378000" y="426600"/>
-            <a:ext cx="6804720" cy="1785240"/>
-          </a:xfrm>
-          <a:prstGeom prst="rect">
-            <a:avLst/>
-          </a:prstGeom>
-          <a:noFill/>
-          <a:ln w="0">
-            <a:noFill/>
-          </a:ln>
-        </p:spPr>
-        <p:txBody>
-          <a:bodyPr lIns="0" rIns="0" tIns="0" bIns="0" anchor="ctr">
-            <a:noAutofit/>
-          </a:bodyPr>
-          <a:p>
-            <a:pPr indent="0" algn="ctr">
-              <a:buNone/>
-            </a:pPr>
-            <a:endParaRPr b="0" lang="pt-PT" sz="4400" spc="-1" strike="noStrike">
-              <a:solidFill>
-                <a:srgbClr val="000000"/>
-              </a:solidFill>
-              <a:latin typeface="Arial"/>
-            </a:endParaRPr>
-          </a:p>
-        </p:txBody>
-      </p:sp>
-      <p:sp>
-        <p:nvSpPr>
-          <p:cNvPr id="60" name="PlaceHolder 2"/>
-          <p:cNvSpPr>
-            <a:spLocks noGrp="1"/>
-          </p:cNvSpPr>
-          <p:nvPr>
-            <p:ph/>
-          </p:nvPr>
-        </p:nvSpPr>
-        <p:spPr>
-          <a:xfrm>
-            <a:off x="378000" y="2502000"/>
-            <a:ext cx="3320640" cy="6201720"/>
-          </a:xfrm>
-          <a:prstGeom prst="rect">
-            <a:avLst/>
-          </a:prstGeom>
-          <a:noFill/>
-          <a:ln w="0">
-            <a:noFill/>
-          </a:ln>
-        </p:spPr>
-        <p:txBody>
-          <a:bodyPr lIns="0" rIns="0" tIns="0" bIns="0" anchor="t">
-            <a:normAutofit/>
-          </a:bodyPr>
-          <a:p>
-            <a:pPr indent="0">
-              <a:spcBef>
-                <a:spcPts val="1417"/>
-              </a:spcBef>
-              <a:buNone/>
-            </a:pPr>
-            <a:endParaRPr b="0" lang="pt-PT" sz="3200" spc="-1" strike="noStrike">
-              <a:solidFill>
-                <a:srgbClr val="000000"/>
-              </a:solidFill>
-              <a:latin typeface="Arial"/>
-            </a:endParaRPr>
-          </a:p>
-        </p:txBody>
-      </p:sp>
-      <p:sp>
-        <p:nvSpPr>
-          <p:cNvPr id="61" name="PlaceHolder 3"/>
-          <p:cNvSpPr>
-            <a:spLocks noGrp="1"/>
-          </p:cNvSpPr>
-          <p:nvPr>
-            <p:ph/>
-          </p:nvPr>
-        </p:nvSpPr>
-        <p:spPr>
-          <a:xfrm>
-            <a:off x="3864960" y="2502000"/>
-            <a:ext cx="3320640" cy="2958120"/>
-          </a:xfrm>
-          <a:prstGeom prst="rect">
-            <a:avLst/>
-          </a:prstGeom>
-          <a:noFill/>
-          <a:ln w="0">
-            <a:noFill/>
-          </a:ln>
-        </p:spPr>
-        <p:txBody>
-          <a:bodyPr lIns="0" rIns="0" tIns="0" bIns="0" anchor="t">
-            <a:normAutofit/>
-          </a:bodyPr>
-          <a:p>
-            <a:pPr indent="0">
-              <a:spcBef>
-                <a:spcPts val="1417"/>
-              </a:spcBef>
-              <a:buNone/>
-            </a:pPr>
-            <a:endParaRPr b="0" lang="pt-PT" sz="3200" spc="-1" strike="noStrike">
-              <a:solidFill>
-                <a:srgbClr val="000000"/>
-              </a:solidFill>
-              <a:latin typeface="Arial"/>
-            </a:endParaRPr>
-          </a:p>
-        </p:txBody>
-      </p:sp>
-      <p:sp>
-        <p:nvSpPr>
-          <p:cNvPr id="62" name="PlaceHolder 4"/>
-          <p:cNvSpPr>
-            <a:spLocks noGrp="1"/>
-          </p:cNvSpPr>
-          <p:nvPr>
-            <p:ph/>
-          </p:nvPr>
-        </p:nvSpPr>
-        <p:spPr>
-          <a:xfrm>
-            <a:off x="3864960" y="5741640"/>
-            <a:ext cx="3320640" cy="2958120"/>
-          </a:xfrm>
-          <a:prstGeom prst="rect">
-            <a:avLst/>
-          </a:prstGeom>
-          <a:noFill/>
-          <a:ln w="0">
-            <a:noFill/>
-          </a:ln>
-        </p:spPr>
-        <p:txBody>
-          <a:bodyPr lIns="0" rIns="0" tIns="0" bIns="0" anchor="t">
-            <a:normAutofit/>
-          </a:bodyPr>
-          <a:p>
-            <a:pPr indent="0">
-              <a:spcBef>
-                <a:spcPts val="1417"/>
-              </a:spcBef>
-              <a:buNone/>
-            </a:pPr>
-            <a:endParaRPr b="0" lang="pt-PT" sz="3200" spc="-1" strike="noStrike">
-              <a:solidFill>
-                <a:srgbClr val="000000"/>
-              </a:solidFill>
-              <a:latin typeface="Arial"/>
-            </a:endParaRPr>
-          </a:p>
-        </p:txBody>
-      </p:sp>
-      <p:sp>
-        <p:nvSpPr>
-          <p:cNvPr id="6" name="PlaceHolder 5"/>
-          <p:cNvSpPr>
-            <a:spLocks noGrp="1"/>
-          </p:cNvSpPr>
-          <p:nvPr>
-            <p:ph type="ftr" idx="4"/>
-          </p:nvPr>
-        </p:nvSpPr>
-        <p:spPr/>
-        <p:txBody>
-          <a:bodyPr/>
-          <a:p>
-            <a:r>
-              <a:t>Footer</a:t>
-            </a:r>
-          </a:p>
-        </p:txBody>
-      </p:sp>
-      <p:sp>
-        <p:nvSpPr>
-          <p:cNvPr id="7" name="PlaceHolder 6"/>
-          <p:cNvSpPr>
-            <a:spLocks noGrp="1"/>
-          </p:cNvSpPr>
-          <p:nvPr>
-            <p:ph type="sldNum" idx="5"/>
-          </p:nvPr>
-        </p:nvSpPr>
-        <p:spPr/>
-        <p:txBody>
-          <a:bodyPr/>
-          <a:p>
-            <a:fld id="{BCC22BD3-1062-4AED-978D-0BF572647D88}" type="slidenum">
-              <a:t>&lt;#&gt;</a:t>
-            </a:fld>
-          </a:p>
-        </p:txBody>
-      </p:sp>
-      <p:sp>
-        <p:nvSpPr>
-          <p:cNvPr id="8" name="PlaceHolder 7"/>
-          <p:cNvSpPr>
-            <a:spLocks noGrp="1"/>
-          </p:cNvSpPr>
-          <p:nvPr>
-            <p:ph type="dt" idx="6"/>
-          </p:nvPr>
-        </p:nvSpPr>
-        <p:spPr/>
-        <p:txBody>
-          <a:bodyPr/>
-          <a:p>
-            <a:r>
-              <a:rPr lang="pt-PT"/>
-              <a:t/>
-            </a:r>
-          </a:p>
-        </p:txBody>
-      </p:sp>
-    </p:spTree>
-  </p:cSld>
-</p:sldLayout>
-</file>
-
-<file path=ppt/slideLayouts/slideLayout21.xml><?xml version="1.0" encoding="utf-8"?>
-<p:sldLayout xmlns:a="http://schemas.openxmlformats.org/drawingml/2006/main" xmlns:p="http://schemas.openxmlformats.org/presentationml/2006/main" xmlns:r="http://schemas.openxmlformats.org/officeDocument/2006/relationships" xmlns:p14="http://schemas.microsoft.com/office/powerpoint/2010/main" xmlns:p15="http://schemas.microsoft.com/office/powerpoint/2012/main" xmlns:mc="http://schemas.openxmlformats.org/markup-compatibility/2006" type="twoObjOverTx" preserve="1">
-  <p:cSld name="Title, 2 Content over Content">
-    <p:spTree>
-      <p:nvGrpSpPr>
-        <p:cNvPr id="1" name=""/>
-        <p:cNvGrpSpPr/>
-        <p:nvPr/>
-      </p:nvGrpSpPr>
-      <p:grpSpPr>
-        <a:xfrm>
-          <a:off x="0" y="0"/>
-          <a:ext cx="0" cy="0"/>
-          <a:chOff x="0" y="0"/>
-          <a:chExt cx="0" cy="0"/>
-        </a:xfrm>
-      </p:grpSpPr>
-      <p:sp>
-        <p:nvSpPr>
-          <p:cNvPr id="63" name="PlaceHolder 1"/>
-          <p:cNvSpPr>
-            <a:spLocks noGrp="1"/>
-          </p:cNvSpPr>
-          <p:nvPr>
-            <p:ph type="title"/>
-          </p:nvPr>
-        </p:nvSpPr>
-        <p:spPr>
-          <a:xfrm>
-            <a:off x="378000" y="426600"/>
-            <a:ext cx="6804720" cy="1785240"/>
-          </a:xfrm>
-          <a:prstGeom prst="rect">
-            <a:avLst/>
-          </a:prstGeom>
-          <a:noFill/>
-          <a:ln w="0">
-            <a:noFill/>
-          </a:ln>
-        </p:spPr>
-        <p:txBody>
-          <a:bodyPr lIns="0" rIns="0" tIns="0" bIns="0" anchor="ctr">
-            <a:noAutofit/>
-          </a:bodyPr>
-          <a:p>
-            <a:pPr indent="0" algn="ctr">
-              <a:buNone/>
-            </a:pPr>
-            <a:endParaRPr b="0" lang="pt-PT" sz="4400" spc="-1" strike="noStrike">
-              <a:solidFill>
-                <a:srgbClr val="000000"/>
-              </a:solidFill>
-              <a:latin typeface="Arial"/>
-            </a:endParaRPr>
-          </a:p>
-        </p:txBody>
-      </p:sp>
-      <p:sp>
-        <p:nvSpPr>
-          <p:cNvPr id="64" name="PlaceHolder 2"/>
-          <p:cNvSpPr>
-            <a:spLocks noGrp="1"/>
-          </p:cNvSpPr>
-          <p:nvPr>
-            <p:ph/>
-          </p:nvPr>
-        </p:nvSpPr>
-        <p:spPr>
-          <a:xfrm>
-            <a:off x="378000" y="2502000"/>
-            <a:ext cx="3320640" cy="2958120"/>
-          </a:xfrm>
-          <a:prstGeom prst="rect">
-            <a:avLst/>
-          </a:prstGeom>
-          <a:noFill/>
-          <a:ln w="0">
-            <a:noFill/>
-          </a:ln>
-        </p:spPr>
-        <p:txBody>
-          <a:bodyPr lIns="0" rIns="0" tIns="0" bIns="0" anchor="t">
-            <a:normAutofit/>
-          </a:bodyPr>
-          <a:p>
-            <a:pPr indent="0">
-              <a:spcBef>
-                <a:spcPts val="1417"/>
-              </a:spcBef>
-              <a:buNone/>
-            </a:pPr>
-            <a:endParaRPr b="0" lang="pt-PT" sz="3200" spc="-1" strike="noStrike">
-              <a:solidFill>
-                <a:srgbClr val="000000"/>
-              </a:solidFill>
-              <a:latin typeface="Arial"/>
-            </a:endParaRPr>
-          </a:p>
-        </p:txBody>
-      </p:sp>
-      <p:sp>
-        <p:nvSpPr>
-          <p:cNvPr id="65" name="PlaceHolder 3"/>
-          <p:cNvSpPr>
-            <a:spLocks noGrp="1"/>
-          </p:cNvSpPr>
-          <p:nvPr>
-            <p:ph/>
-          </p:nvPr>
-        </p:nvSpPr>
-        <p:spPr>
-          <a:xfrm>
-            <a:off x="3864960" y="2502000"/>
-            <a:ext cx="3320640" cy="2958120"/>
-          </a:xfrm>
-          <a:prstGeom prst="rect">
-            <a:avLst/>
-          </a:prstGeom>
-          <a:noFill/>
-          <a:ln w="0">
-            <a:noFill/>
-          </a:ln>
-        </p:spPr>
-        <p:txBody>
-          <a:bodyPr lIns="0" rIns="0" tIns="0" bIns="0" anchor="t">
-            <a:normAutofit/>
-          </a:bodyPr>
-          <a:p>
-            <a:pPr indent="0">
-              <a:spcBef>
-                <a:spcPts val="1417"/>
-              </a:spcBef>
-              <a:buNone/>
-            </a:pPr>
-            <a:endParaRPr b="0" lang="pt-PT" sz="3200" spc="-1" strike="noStrike">
-              <a:solidFill>
-                <a:srgbClr val="000000"/>
-              </a:solidFill>
-              <a:latin typeface="Arial"/>
-            </a:endParaRPr>
-          </a:p>
-        </p:txBody>
-      </p:sp>
-      <p:sp>
-        <p:nvSpPr>
-          <p:cNvPr id="66" name="PlaceHolder 4"/>
-          <p:cNvSpPr>
-            <a:spLocks noGrp="1"/>
-          </p:cNvSpPr>
-          <p:nvPr>
-            <p:ph/>
-          </p:nvPr>
-        </p:nvSpPr>
-        <p:spPr>
-          <a:xfrm>
-            <a:off x="378000" y="5741640"/>
-            <a:ext cx="6804720" cy="2958120"/>
-          </a:xfrm>
-          <a:prstGeom prst="rect">
-            <a:avLst/>
-          </a:prstGeom>
-          <a:noFill/>
-          <a:ln w="0">
-            <a:noFill/>
-          </a:ln>
-        </p:spPr>
-        <p:txBody>
-          <a:bodyPr lIns="0" rIns="0" tIns="0" bIns="0" anchor="t">
-            <a:normAutofit/>
-          </a:bodyPr>
-          <a:p>
-            <a:pPr indent="0">
-              <a:spcBef>
-                <a:spcPts val="1417"/>
-              </a:spcBef>
-              <a:buNone/>
-            </a:pPr>
-            <a:endParaRPr b="0" lang="pt-PT" sz="3200" spc="-1" strike="noStrike">
-              <a:solidFill>
-                <a:srgbClr val="000000"/>
-              </a:solidFill>
-              <a:latin typeface="Arial"/>
-            </a:endParaRPr>
-          </a:p>
-        </p:txBody>
-      </p:sp>
-      <p:sp>
-        <p:nvSpPr>
-          <p:cNvPr id="6" name="PlaceHolder 5"/>
-          <p:cNvSpPr>
-            <a:spLocks noGrp="1"/>
-          </p:cNvSpPr>
-          <p:nvPr>
-            <p:ph type="ftr" idx="4"/>
-          </p:nvPr>
-        </p:nvSpPr>
-        <p:spPr/>
-        <p:txBody>
-          <a:bodyPr/>
-          <a:p>
-            <a:r>
-              <a:t>Footer</a:t>
-            </a:r>
-          </a:p>
-        </p:txBody>
-      </p:sp>
-      <p:sp>
-        <p:nvSpPr>
-          <p:cNvPr id="7" name="PlaceHolder 6"/>
-          <p:cNvSpPr>
-            <a:spLocks noGrp="1"/>
-          </p:cNvSpPr>
-          <p:nvPr>
-            <p:ph type="sldNum" idx="5"/>
-          </p:nvPr>
-        </p:nvSpPr>
-        <p:spPr/>
-        <p:txBody>
-          <a:bodyPr/>
-          <a:p>
-            <a:fld id="{03BDA068-5319-4701-B562-288409A54B00}" type="slidenum">
-              <a:t>&lt;#&gt;</a:t>
-            </a:fld>
-          </a:p>
-        </p:txBody>
-      </p:sp>
-      <p:sp>
-        <p:nvSpPr>
-          <p:cNvPr id="8" name="PlaceHolder 7"/>
-          <p:cNvSpPr>
-            <a:spLocks noGrp="1"/>
-          </p:cNvSpPr>
-          <p:nvPr>
-            <p:ph type="dt" idx="6"/>
-          </p:nvPr>
-        </p:nvSpPr>
-        <p:spPr/>
-        <p:txBody>
-          <a:bodyPr/>
-          <a:p>
-            <a:r>
-              <a:rPr lang="pt-PT"/>
-              <a:t/>
-            </a:r>
-          </a:p>
-        </p:txBody>
-      </p:sp>
-    </p:spTree>
-  </p:cSld>
-</p:sldLayout>
-</file>
-
-<file path=ppt/slideLayouts/slideLayout22.xml><?xml version="1.0" encoding="utf-8"?>
-<p:sldLayout xmlns:a="http://schemas.openxmlformats.org/drawingml/2006/main" xmlns:p="http://schemas.openxmlformats.org/presentationml/2006/main" xmlns:r="http://schemas.openxmlformats.org/officeDocument/2006/relationships" xmlns:p14="http://schemas.microsoft.com/office/powerpoint/2010/main" xmlns:p15="http://schemas.microsoft.com/office/powerpoint/2012/main" xmlns:mc="http://schemas.openxmlformats.org/markup-compatibility/2006" type="objOverTx" preserve="1">
-  <p:cSld name="Title, Content over Content">
-    <p:spTree>
-      <p:nvGrpSpPr>
-        <p:cNvPr id="1" name=""/>
-        <p:cNvGrpSpPr/>
-        <p:nvPr/>
-      </p:nvGrpSpPr>
-      <p:grpSpPr>
-        <a:xfrm>
-          <a:off x="0" y="0"/>
-          <a:ext cx="0" cy="0"/>
-          <a:chOff x="0" y="0"/>
-          <a:chExt cx="0" cy="0"/>
-        </a:xfrm>
-      </p:grpSpPr>
-      <p:sp>
-        <p:nvSpPr>
-          <p:cNvPr id="67" name="PlaceHolder 1"/>
-          <p:cNvSpPr>
-            <a:spLocks noGrp="1"/>
-          </p:cNvSpPr>
-          <p:nvPr>
-            <p:ph type="title"/>
-          </p:nvPr>
-        </p:nvSpPr>
-        <p:spPr>
-          <a:xfrm>
-            <a:off x="378000" y="426600"/>
-            <a:ext cx="6804720" cy="1785240"/>
-          </a:xfrm>
-          <a:prstGeom prst="rect">
-            <a:avLst/>
-          </a:prstGeom>
-          <a:noFill/>
-          <a:ln w="0">
-            <a:noFill/>
-          </a:ln>
-        </p:spPr>
-        <p:txBody>
-          <a:bodyPr lIns="0" rIns="0" tIns="0" bIns="0" anchor="ctr">
-            <a:noAutofit/>
-          </a:bodyPr>
-          <a:p>
-            <a:pPr indent="0" algn="ctr">
-              <a:buNone/>
-            </a:pPr>
-            <a:endParaRPr b="0" lang="pt-PT" sz="4400" spc="-1" strike="noStrike">
-              <a:solidFill>
-                <a:srgbClr val="000000"/>
-              </a:solidFill>
-              <a:latin typeface="Arial"/>
-            </a:endParaRPr>
-          </a:p>
-        </p:txBody>
-      </p:sp>
-      <p:sp>
-        <p:nvSpPr>
-          <p:cNvPr id="68" name="PlaceHolder 2"/>
-          <p:cNvSpPr>
-            <a:spLocks noGrp="1"/>
-          </p:cNvSpPr>
-          <p:nvPr>
-            <p:ph/>
-          </p:nvPr>
-        </p:nvSpPr>
-        <p:spPr>
-          <a:xfrm>
-            <a:off x="378000" y="2502000"/>
-            <a:ext cx="6804720" cy="2958120"/>
-          </a:xfrm>
-          <a:prstGeom prst="rect">
-            <a:avLst/>
-          </a:prstGeom>
-          <a:noFill/>
-          <a:ln w="0">
-            <a:noFill/>
-          </a:ln>
-        </p:spPr>
-        <p:txBody>
-          <a:bodyPr lIns="0" rIns="0" tIns="0" bIns="0" anchor="t">
-            <a:normAutofit/>
-          </a:bodyPr>
-          <a:p>
-            <a:pPr indent="0">
-              <a:spcBef>
-                <a:spcPts val="1417"/>
-              </a:spcBef>
-              <a:buNone/>
-            </a:pPr>
-            <a:endParaRPr b="0" lang="pt-PT" sz="3200" spc="-1" strike="noStrike">
-              <a:solidFill>
-                <a:srgbClr val="000000"/>
-              </a:solidFill>
-              <a:latin typeface="Arial"/>
-            </a:endParaRPr>
-          </a:p>
-        </p:txBody>
-      </p:sp>
-      <p:sp>
-        <p:nvSpPr>
-          <p:cNvPr id="69" name="PlaceHolder 3"/>
-          <p:cNvSpPr>
-            <a:spLocks noGrp="1"/>
-          </p:cNvSpPr>
-          <p:nvPr>
-            <p:ph/>
-          </p:nvPr>
-        </p:nvSpPr>
-        <p:spPr>
-          <a:xfrm>
-            <a:off x="378000" y="5741640"/>
-            <a:ext cx="6804720" cy="2958120"/>
-          </a:xfrm>
-          <a:prstGeom prst="rect">
-            <a:avLst/>
-          </a:prstGeom>
-          <a:noFill/>
-          <a:ln w="0">
-            <a:noFill/>
-          </a:ln>
-        </p:spPr>
-        <p:txBody>
-          <a:bodyPr lIns="0" rIns="0" tIns="0" bIns="0" anchor="t">
-            <a:normAutofit/>
-          </a:bodyPr>
-          <a:p>
-            <a:pPr indent="0">
-              <a:spcBef>
-                <a:spcPts val="1417"/>
-              </a:spcBef>
-              <a:buNone/>
-            </a:pPr>
-            <a:endParaRPr b="0" lang="pt-PT" sz="3200" spc="-1" strike="noStrike">
-              <a:solidFill>
-                <a:srgbClr val="000000"/>
-              </a:solidFill>
-              <a:latin typeface="Arial"/>
-            </a:endParaRPr>
-          </a:p>
-        </p:txBody>
-      </p:sp>
-      <p:sp>
-        <p:nvSpPr>
-          <p:cNvPr id="5" name="PlaceHolder 4"/>
-          <p:cNvSpPr>
-            <a:spLocks noGrp="1"/>
-          </p:cNvSpPr>
-          <p:nvPr>
-            <p:ph type="ftr" idx="4"/>
-          </p:nvPr>
-        </p:nvSpPr>
-        <p:spPr/>
-        <p:txBody>
-          <a:bodyPr/>
-          <a:p>
-            <a:r>
-              <a:t>Footer</a:t>
-            </a:r>
-          </a:p>
-        </p:txBody>
-      </p:sp>
-      <p:sp>
-        <p:nvSpPr>
-          <p:cNvPr id="6" name="PlaceHolder 5"/>
-          <p:cNvSpPr>
-            <a:spLocks noGrp="1"/>
-          </p:cNvSpPr>
-          <p:nvPr>
-            <p:ph type="sldNum" idx="5"/>
-          </p:nvPr>
-        </p:nvSpPr>
-        <p:spPr/>
-        <p:txBody>
-          <a:bodyPr/>
-          <a:p>
-            <a:fld id="{FE5FE736-BAA0-4923-9746-2CA82A1F9301}" type="slidenum">
-              <a:t>&lt;#&gt;</a:t>
-            </a:fld>
-          </a:p>
-        </p:txBody>
-      </p:sp>
-      <p:sp>
-        <p:nvSpPr>
-          <p:cNvPr id="7" name="PlaceHolder 6"/>
-          <p:cNvSpPr>
-            <a:spLocks noGrp="1"/>
-          </p:cNvSpPr>
-          <p:nvPr>
-            <p:ph type="dt" idx="6"/>
-          </p:nvPr>
-        </p:nvSpPr>
-        <p:spPr/>
-        <p:txBody>
-          <a:bodyPr/>
-          <a:p>
-            <a:r>
-              <a:rPr lang="pt-PT"/>
-              <a:t/>
-            </a:r>
-          </a:p>
-        </p:txBody>
-      </p:sp>
-    </p:spTree>
-  </p:cSld>
-</p:sldLayout>
-</file>
-
-<file path=ppt/slideLayouts/slideLayout23.xml><?xml version="1.0" encoding="utf-8"?>
-<p:sldLayout xmlns:a="http://schemas.openxmlformats.org/drawingml/2006/main" xmlns:p="http://schemas.openxmlformats.org/presentationml/2006/main" xmlns:r="http://schemas.openxmlformats.org/officeDocument/2006/relationships" xmlns:p14="http://schemas.microsoft.com/office/powerpoint/2010/main" xmlns:p15="http://schemas.microsoft.com/office/powerpoint/2012/main" xmlns:mc="http://schemas.openxmlformats.org/markup-compatibility/2006" type="fourObj" preserve="1">
-  <p:cSld name="Title, 4 Content">
-    <p:spTree>
-      <p:nvGrpSpPr>
-        <p:cNvPr id="1" name=""/>
-        <p:cNvGrpSpPr/>
-        <p:nvPr/>
-      </p:nvGrpSpPr>
-      <p:grpSpPr>
-        <a:xfrm>
-          <a:off x="0" y="0"/>
-          <a:ext cx="0" cy="0"/>
-          <a:chOff x="0" y="0"/>
-          <a:chExt cx="0" cy="0"/>
-        </a:xfrm>
-      </p:grpSpPr>
-      <p:sp>
-        <p:nvSpPr>
-          <p:cNvPr id="70" name="PlaceHolder 1"/>
-          <p:cNvSpPr>
-            <a:spLocks noGrp="1"/>
-          </p:cNvSpPr>
-          <p:nvPr>
-            <p:ph type="title"/>
-          </p:nvPr>
-        </p:nvSpPr>
-        <p:spPr>
-          <a:xfrm>
-            <a:off x="378000" y="426600"/>
-            <a:ext cx="6804720" cy="1785240"/>
-          </a:xfrm>
-          <a:prstGeom prst="rect">
-            <a:avLst/>
-          </a:prstGeom>
-          <a:noFill/>
-          <a:ln w="0">
-            <a:noFill/>
-          </a:ln>
-        </p:spPr>
-        <p:txBody>
-          <a:bodyPr lIns="0" rIns="0" tIns="0" bIns="0" anchor="ctr">
-            <a:noAutofit/>
-          </a:bodyPr>
-          <a:p>
-            <a:pPr indent="0" algn="ctr">
-              <a:buNone/>
-            </a:pPr>
-            <a:endParaRPr b="0" lang="pt-PT" sz="4400" spc="-1" strike="noStrike">
-              <a:solidFill>
-                <a:srgbClr val="000000"/>
-              </a:solidFill>
-              <a:latin typeface="Arial"/>
-            </a:endParaRPr>
-          </a:p>
-        </p:txBody>
-      </p:sp>
-      <p:sp>
-        <p:nvSpPr>
-          <p:cNvPr id="71" name="PlaceHolder 2"/>
-          <p:cNvSpPr>
-            <a:spLocks noGrp="1"/>
-          </p:cNvSpPr>
-          <p:nvPr>
-            <p:ph/>
-          </p:nvPr>
-        </p:nvSpPr>
-        <p:spPr>
-          <a:xfrm>
-            <a:off x="378000" y="2502000"/>
-            <a:ext cx="3320640" cy="2958120"/>
-          </a:xfrm>
-          <a:prstGeom prst="rect">
-            <a:avLst/>
-          </a:prstGeom>
-          <a:noFill/>
-          <a:ln w="0">
-            <a:noFill/>
-          </a:ln>
-        </p:spPr>
-        <p:txBody>
-          <a:bodyPr lIns="0" rIns="0" tIns="0" bIns="0" anchor="t">
-            <a:normAutofit/>
-          </a:bodyPr>
-          <a:p>
-            <a:pPr indent="0">
-              <a:spcBef>
-                <a:spcPts val="1417"/>
-              </a:spcBef>
-              <a:buNone/>
-            </a:pPr>
-            <a:endParaRPr b="0" lang="pt-PT" sz="3200" spc="-1" strike="noStrike">
-              <a:solidFill>
-                <a:srgbClr val="000000"/>
-              </a:solidFill>
-              <a:latin typeface="Arial"/>
-            </a:endParaRPr>
-          </a:p>
-        </p:txBody>
-      </p:sp>
-      <p:sp>
-        <p:nvSpPr>
-          <p:cNvPr id="72" name="PlaceHolder 3"/>
-          <p:cNvSpPr>
-            <a:spLocks noGrp="1"/>
-          </p:cNvSpPr>
-          <p:nvPr>
-            <p:ph/>
-          </p:nvPr>
-        </p:nvSpPr>
-        <p:spPr>
-          <a:xfrm>
-            <a:off x="3864960" y="2502000"/>
-            <a:ext cx="3320640" cy="2958120"/>
-          </a:xfrm>
-          <a:prstGeom prst="rect">
-            <a:avLst/>
-          </a:prstGeom>
-          <a:noFill/>
-          <a:ln w="0">
-            <a:noFill/>
-          </a:ln>
-        </p:spPr>
-        <p:txBody>
-          <a:bodyPr lIns="0" rIns="0" tIns="0" bIns="0" anchor="t">
-            <a:normAutofit/>
-          </a:bodyPr>
-          <a:p>
-            <a:pPr indent="0">
-              <a:spcBef>
-                <a:spcPts val="1417"/>
-              </a:spcBef>
-              <a:buNone/>
-            </a:pPr>
-            <a:endParaRPr b="0" lang="pt-PT" sz="3200" spc="-1" strike="noStrike">
-              <a:solidFill>
-                <a:srgbClr val="000000"/>
-              </a:solidFill>
-              <a:latin typeface="Arial"/>
-            </a:endParaRPr>
-          </a:p>
-        </p:txBody>
-      </p:sp>
-      <p:sp>
-        <p:nvSpPr>
-          <p:cNvPr id="73" name="PlaceHolder 4"/>
-          <p:cNvSpPr>
-            <a:spLocks noGrp="1"/>
-          </p:cNvSpPr>
-          <p:nvPr>
-            <p:ph/>
-          </p:nvPr>
-        </p:nvSpPr>
-        <p:spPr>
-          <a:xfrm>
-            <a:off x="378000" y="5741640"/>
-            <a:ext cx="3320640" cy="2958120"/>
-          </a:xfrm>
-          <a:prstGeom prst="rect">
-            <a:avLst/>
-          </a:prstGeom>
-          <a:noFill/>
-          <a:ln w="0">
-            <a:noFill/>
-          </a:ln>
-        </p:spPr>
-        <p:txBody>
-          <a:bodyPr lIns="0" rIns="0" tIns="0" bIns="0" anchor="t">
-            <a:normAutofit/>
-          </a:bodyPr>
-          <a:p>
-            <a:pPr indent="0">
-              <a:spcBef>
-                <a:spcPts val="1417"/>
-              </a:spcBef>
-              <a:buNone/>
-            </a:pPr>
-            <a:endParaRPr b="0" lang="pt-PT" sz="3200" spc="-1" strike="noStrike">
-              <a:solidFill>
-                <a:srgbClr val="000000"/>
-              </a:solidFill>
-              <a:latin typeface="Arial"/>
-            </a:endParaRPr>
-          </a:p>
-        </p:txBody>
-      </p:sp>
-      <p:sp>
-        <p:nvSpPr>
-          <p:cNvPr id="74" name="PlaceHolder 5"/>
-          <p:cNvSpPr>
-            <a:spLocks noGrp="1"/>
-          </p:cNvSpPr>
-          <p:nvPr>
-            <p:ph/>
-          </p:nvPr>
-        </p:nvSpPr>
-        <p:spPr>
-          <a:xfrm>
-            <a:off x="3864960" y="5741640"/>
-            <a:ext cx="3320640" cy="2958120"/>
-          </a:xfrm>
-          <a:prstGeom prst="rect">
-            <a:avLst/>
-          </a:prstGeom>
-          <a:noFill/>
-          <a:ln w="0">
-            <a:noFill/>
-          </a:ln>
-        </p:spPr>
-        <p:txBody>
-          <a:bodyPr lIns="0" rIns="0" tIns="0" bIns="0" anchor="t">
-            <a:normAutofit/>
-          </a:bodyPr>
-          <a:p>
-            <a:pPr indent="0">
-              <a:spcBef>
-                <a:spcPts val="1417"/>
-              </a:spcBef>
-              <a:buNone/>
-            </a:pPr>
-            <a:endParaRPr b="0" lang="pt-PT" sz="3200" spc="-1" strike="noStrike">
-              <a:solidFill>
-                <a:srgbClr val="000000"/>
-              </a:solidFill>
-              <a:latin typeface="Arial"/>
-            </a:endParaRPr>
-          </a:p>
-        </p:txBody>
-      </p:sp>
-      <p:sp>
-        <p:nvSpPr>
-          <p:cNvPr id="7" name="PlaceHolder 6"/>
-          <p:cNvSpPr>
-            <a:spLocks noGrp="1"/>
-          </p:cNvSpPr>
-          <p:nvPr>
-            <p:ph type="ftr" idx="4"/>
-          </p:nvPr>
-        </p:nvSpPr>
-        <p:spPr/>
-        <p:txBody>
-          <a:bodyPr/>
-          <a:p>
-            <a:r>
-              <a:t>Footer</a:t>
-            </a:r>
-          </a:p>
-        </p:txBody>
-      </p:sp>
-      <p:sp>
-        <p:nvSpPr>
-          <p:cNvPr id="8" name="PlaceHolder 7"/>
-          <p:cNvSpPr>
-            <a:spLocks noGrp="1"/>
-          </p:cNvSpPr>
-          <p:nvPr>
-            <p:ph type="sldNum" idx="5"/>
-          </p:nvPr>
-        </p:nvSpPr>
-        <p:spPr/>
-        <p:txBody>
-          <a:bodyPr/>
-          <a:p>
-            <a:fld id="{27F07B6C-287E-4F21-819F-8C29F8307788}" type="slidenum">
-              <a:t>&lt;#&gt;</a:t>
-            </a:fld>
-          </a:p>
-        </p:txBody>
-      </p:sp>
-      <p:sp>
-        <p:nvSpPr>
-          <p:cNvPr id="9" name="PlaceHolder 8"/>
-          <p:cNvSpPr>
-            <a:spLocks noGrp="1"/>
-          </p:cNvSpPr>
-          <p:nvPr>
-            <p:ph type="dt" idx="6"/>
-          </p:nvPr>
-        </p:nvSpPr>
-        <p:spPr/>
-        <p:txBody>
-          <a:bodyPr/>
-          <a:p>
-            <a:r>
-              <a:rPr lang="pt-PT"/>
-              <a:t/>
-            </a:r>
-          </a:p>
-        </p:txBody>
-      </p:sp>
-    </p:spTree>
-  </p:cSld>
-</p:sldLayout>
-</file>
-
-<file path=ppt/slideLayouts/slideLayout24.xml><?xml version="1.0" encoding="utf-8"?>
-<p:sldLayout xmlns:a="http://schemas.openxmlformats.org/drawingml/2006/main" xmlns:p="http://schemas.openxmlformats.org/presentationml/2006/main" xmlns:r="http://schemas.openxmlformats.org/officeDocument/2006/relationships" xmlns:p14="http://schemas.microsoft.com/office/powerpoint/2010/main" xmlns:p15="http://schemas.microsoft.com/office/powerpoint/2012/main" xmlns:mc="http://schemas.openxmlformats.org/markup-compatibility/2006" type="blank" preserve="1">
-  <p:cSld name="Title, 6 Content">
-    <p:spTree>
-      <p:nvGrpSpPr>
-        <p:cNvPr id="1" name=""/>
-        <p:cNvGrpSpPr/>
-        <p:nvPr/>
-      </p:nvGrpSpPr>
-      <p:grpSpPr>
-        <a:xfrm>
-          <a:off x="0" y="0"/>
-          <a:ext cx="0" cy="0"/>
-          <a:chOff x="0" y="0"/>
-          <a:chExt cx="0" cy="0"/>
-        </a:xfrm>
-      </p:grpSpPr>
-      <p:sp>
-        <p:nvSpPr>
-          <p:cNvPr id="75" name="PlaceHolder 1"/>
-          <p:cNvSpPr>
-            <a:spLocks noGrp="1"/>
-          </p:cNvSpPr>
-          <p:nvPr>
-            <p:ph type="title"/>
-          </p:nvPr>
-        </p:nvSpPr>
-        <p:spPr>
-          <a:xfrm>
-            <a:off x="378000" y="426600"/>
-            <a:ext cx="6804720" cy="1785240"/>
-          </a:xfrm>
-          <a:prstGeom prst="rect">
-            <a:avLst/>
-          </a:prstGeom>
-          <a:noFill/>
-          <a:ln w="0">
-            <a:noFill/>
-          </a:ln>
-        </p:spPr>
-        <p:txBody>
-          <a:bodyPr lIns="0" rIns="0" tIns="0" bIns="0" anchor="ctr">
-            <a:noAutofit/>
-          </a:bodyPr>
-          <a:p>
-            <a:pPr indent="0" algn="ctr">
-              <a:buNone/>
-            </a:pPr>
-            <a:endParaRPr b="0" lang="pt-PT" sz="4400" spc="-1" strike="noStrike">
-              <a:solidFill>
-                <a:srgbClr val="000000"/>
-              </a:solidFill>
-              <a:latin typeface="Arial"/>
-            </a:endParaRPr>
-          </a:p>
-        </p:txBody>
-      </p:sp>
-      <p:sp>
-        <p:nvSpPr>
-          <p:cNvPr id="76" name="PlaceHolder 2"/>
-          <p:cNvSpPr>
-            <a:spLocks noGrp="1"/>
-          </p:cNvSpPr>
-          <p:nvPr>
-            <p:ph/>
-          </p:nvPr>
-        </p:nvSpPr>
-        <p:spPr>
-          <a:xfrm>
-            <a:off x="378000" y="2502000"/>
-            <a:ext cx="2190960" cy="2958120"/>
-          </a:xfrm>
-          <a:prstGeom prst="rect">
-            <a:avLst/>
-          </a:prstGeom>
-          <a:noFill/>
-          <a:ln w="0">
-            <a:noFill/>
-          </a:ln>
-        </p:spPr>
-        <p:txBody>
-          <a:bodyPr lIns="0" rIns="0" tIns="0" bIns="0" anchor="t">
-            <a:normAutofit/>
-          </a:bodyPr>
-          <a:p>
-            <a:pPr indent="0">
-              <a:spcBef>
-                <a:spcPts val="1417"/>
-              </a:spcBef>
-              <a:buNone/>
-            </a:pPr>
-            <a:endParaRPr b="0" lang="pt-PT" sz="3200" spc="-1" strike="noStrike">
-              <a:solidFill>
-                <a:srgbClr val="000000"/>
-              </a:solidFill>
-              <a:latin typeface="Arial"/>
-            </a:endParaRPr>
-          </a:p>
-        </p:txBody>
-      </p:sp>
-      <p:sp>
-        <p:nvSpPr>
-          <p:cNvPr id="77" name="PlaceHolder 3"/>
-          <p:cNvSpPr>
-            <a:spLocks noGrp="1"/>
-          </p:cNvSpPr>
-          <p:nvPr>
-            <p:ph/>
-          </p:nvPr>
-        </p:nvSpPr>
-        <p:spPr>
-          <a:xfrm>
-            <a:off x="2678760" y="2502000"/>
-            <a:ext cx="2190960" cy="2958120"/>
-          </a:xfrm>
-          <a:prstGeom prst="rect">
-            <a:avLst/>
-          </a:prstGeom>
-          <a:noFill/>
-          <a:ln w="0">
-            <a:noFill/>
-          </a:ln>
-        </p:spPr>
-        <p:txBody>
-          <a:bodyPr lIns="0" rIns="0" tIns="0" bIns="0" anchor="t">
-            <a:normAutofit/>
-          </a:bodyPr>
-          <a:p>
-            <a:pPr indent="0">
-              <a:spcBef>
-                <a:spcPts val="1417"/>
-              </a:spcBef>
-              <a:buNone/>
-            </a:pPr>
-            <a:endParaRPr b="0" lang="pt-PT" sz="3200" spc="-1" strike="noStrike">
-              <a:solidFill>
-                <a:srgbClr val="000000"/>
-              </a:solidFill>
-              <a:latin typeface="Arial"/>
-            </a:endParaRPr>
-          </a:p>
-        </p:txBody>
-      </p:sp>
-      <p:sp>
-        <p:nvSpPr>
-          <p:cNvPr id="78" name="PlaceHolder 4"/>
-          <p:cNvSpPr>
-            <a:spLocks noGrp="1"/>
-          </p:cNvSpPr>
-          <p:nvPr>
-            <p:ph/>
-          </p:nvPr>
-        </p:nvSpPr>
-        <p:spPr>
-          <a:xfrm>
-            <a:off x="4979880" y="2502000"/>
-            <a:ext cx="2190960" cy="2958120"/>
-          </a:xfrm>
-          <a:prstGeom prst="rect">
-            <a:avLst/>
-          </a:prstGeom>
-          <a:noFill/>
-          <a:ln w="0">
-            <a:noFill/>
-          </a:ln>
-        </p:spPr>
-        <p:txBody>
-          <a:bodyPr lIns="0" rIns="0" tIns="0" bIns="0" anchor="t">
-            <a:normAutofit/>
-          </a:bodyPr>
-          <a:p>
-            <a:pPr indent="0">
-              <a:spcBef>
-                <a:spcPts val="1417"/>
-              </a:spcBef>
-              <a:buNone/>
-            </a:pPr>
-            <a:endParaRPr b="0" lang="pt-PT" sz="3200" spc="-1" strike="noStrike">
-              <a:solidFill>
-                <a:srgbClr val="000000"/>
-              </a:solidFill>
-              <a:latin typeface="Arial"/>
-            </a:endParaRPr>
-          </a:p>
-        </p:txBody>
-      </p:sp>
-      <p:sp>
-        <p:nvSpPr>
-          <p:cNvPr id="79" name="PlaceHolder 5"/>
-          <p:cNvSpPr>
-            <a:spLocks noGrp="1"/>
-          </p:cNvSpPr>
-          <p:nvPr>
-            <p:ph/>
-          </p:nvPr>
-        </p:nvSpPr>
-        <p:spPr>
-          <a:xfrm>
-            <a:off x="378000" y="5741640"/>
-            <a:ext cx="2190960" cy="2958120"/>
-          </a:xfrm>
-          <a:prstGeom prst="rect">
-            <a:avLst/>
-          </a:prstGeom>
-          <a:noFill/>
-          <a:ln w="0">
-            <a:noFill/>
-          </a:ln>
-        </p:spPr>
-        <p:txBody>
-          <a:bodyPr lIns="0" rIns="0" tIns="0" bIns="0" anchor="t">
-            <a:normAutofit/>
-          </a:bodyPr>
-          <a:p>
-            <a:pPr indent="0">
-              <a:spcBef>
-                <a:spcPts val="1417"/>
-              </a:spcBef>
-              <a:buNone/>
-            </a:pPr>
-            <a:endParaRPr b="0" lang="pt-PT" sz="3200" spc="-1" strike="noStrike">
-              <a:solidFill>
-                <a:srgbClr val="000000"/>
-              </a:solidFill>
-              <a:latin typeface="Arial"/>
-            </a:endParaRPr>
-          </a:p>
-        </p:txBody>
-      </p:sp>
-      <p:sp>
-        <p:nvSpPr>
-          <p:cNvPr id="80" name="PlaceHolder 6"/>
-          <p:cNvSpPr>
-            <a:spLocks noGrp="1"/>
-          </p:cNvSpPr>
-          <p:nvPr>
-            <p:ph/>
-          </p:nvPr>
-        </p:nvSpPr>
-        <p:spPr>
-          <a:xfrm>
-            <a:off x="2678760" y="5741640"/>
-            <a:ext cx="2190960" cy="2958120"/>
-          </a:xfrm>
-          <a:prstGeom prst="rect">
-            <a:avLst/>
-          </a:prstGeom>
-          <a:noFill/>
-          <a:ln w="0">
-            <a:noFill/>
-          </a:ln>
-        </p:spPr>
-        <p:txBody>
-          <a:bodyPr lIns="0" rIns="0" tIns="0" bIns="0" anchor="t">
-            <a:normAutofit/>
-          </a:bodyPr>
-          <a:p>
-            <a:pPr indent="0">
-              <a:spcBef>
-                <a:spcPts val="1417"/>
-              </a:spcBef>
-              <a:buNone/>
-            </a:pPr>
-            <a:endParaRPr b="0" lang="pt-PT" sz="3200" spc="-1" strike="noStrike">
-              <a:solidFill>
-                <a:srgbClr val="000000"/>
-              </a:solidFill>
-              <a:latin typeface="Arial"/>
-            </a:endParaRPr>
-          </a:p>
-        </p:txBody>
-      </p:sp>
-      <p:sp>
-        <p:nvSpPr>
-          <p:cNvPr id="81" name="PlaceHolder 7"/>
-          <p:cNvSpPr>
-            <a:spLocks noGrp="1"/>
-          </p:cNvSpPr>
-          <p:nvPr>
-            <p:ph/>
-          </p:nvPr>
-        </p:nvSpPr>
-        <p:spPr>
-          <a:xfrm>
-            <a:off x="4979880" y="5741640"/>
-            <a:ext cx="2190960" cy="2958120"/>
-          </a:xfrm>
-          <a:prstGeom prst="rect">
-            <a:avLst/>
-          </a:prstGeom>
-          <a:noFill/>
-          <a:ln w="0">
-            <a:noFill/>
-          </a:ln>
-        </p:spPr>
-        <p:txBody>
-          <a:bodyPr lIns="0" rIns="0" tIns="0" bIns="0" anchor="t">
-            <a:normAutofit/>
-          </a:bodyPr>
-          <a:p>
-            <a:pPr indent="0">
-              <a:spcBef>
-                <a:spcPts val="1417"/>
-              </a:spcBef>
-              <a:buNone/>
-            </a:pPr>
-            <a:endParaRPr b="0" lang="pt-PT" sz="3200" spc="-1" strike="noStrike">
-              <a:solidFill>
-                <a:srgbClr val="000000"/>
-              </a:solidFill>
-              <a:latin typeface="Arial"/>
-            </a:endParaRPr>
-          </a:p>
-        </p:txBody>
-      </p:sp>
-      <p:sp>
-        <p:nvSpPr>
-          <p:cNvPr id="9" name="PlaceHolder 8"/>
-          <p:cNvSpPr>
-            <a:spLocks noGrp="1"/>
-          </p:cNvSpPr>
-          <p:nvPr>
-            <p:ph type="ftr" idx="4"/>
-          </p:nvPr>
-        </p:nvSpPr>
-        <p:spPr/>
-        <p:txBody>
-          <a:bodyPr/>
-          <a:p>
-            <a:r>
-              <a:t>Footer</a:t>
-            </a:r>
-          </a:p>
-        </p:txBody>
-      </p:sp>
-      <p:sp>
-        <p:nvSpPr>
-          <p:cNvPr id="10" name="PlaceHolder 9"/>
-          <p:cNvSpPr>
-            <a:spLocks noGrp="1"/>
-          </p:cNvSpPr>
-          <p:nvPr>
-            <p:ph type="sldNum" idx="5"/>
-          </p:nvPr>
-        </p:nvSpPr>
-        <p:spPr/>
-        <p:txBody>
-          <a:bodyPr/>
-          <a:p>
-            <a:fld id="{14F08D07-7619-46EB-A2BA-77567AA2BCE7}" type="slidenum">
-              <a:t>&lt;#&gt;</a:t>
-            </a:fld>
-          </a:p>
-        </p:txBody>
-      </p:sp>
-      <p:sp>
-        <p:nvSpPr>
-          <p:cNvPr id="11" name="PlaceHolder 10"/>
-          <p:cNvSpPr>
-            <a:spLocks noGrp="1"/>
-          </p:cNvSpPr>
-          <p:nvPr>
-            <p:ph type="dt" idx="6"/>
           </p:nvPr>
         </p:nvSpPr>
         <p:spPr/>
@@ -3672,7 +1165,7 @@
       </p:grpSpPr>
       <p:sp>
         <p:nvSpPr>
-          <p:cNvPr id="7" name="PlaceHolder 1"/>
+          <p:cNvPr id="9" name="PlaceHolder 1"/>
           <p:cNvSpPr>
             <a:spLocks noGrp="1"/>
           </p:cNvSpPr>
@@ -3712,7 +1205,7 @@
       </p:sp>
       <p:sp>
         <p:nvSpPr>
-          <p:cNvPr id="8" name="PlaceHolder 2"/>
+          <p:cNvPr id="10" name="PlaceHolder 2"/>
           <p:cNvSpPr>
             <a:spLocks noGrp="1"/>
           </p:cNvSpPr>
@@ -3787,7 +1280,7 @@
         <p:txBody>
           <a:bodyPr/>
           <a:p>
-            <a:fld id="{A5E933BF-4F34-4727-8506-D1D24974B09D}" type="slidenum">
+            <a:fld id="{673EAD72-8BC8-42C6-87D1-FCF746F7B889}" type="slidenum">
               <a:t>&lt;#&gt;</a:t>
             </a:fld>
           </a:p>
@@ -3838,7 +1331,7 @@
       </p:grpSpPr>
       <p:sp>
         <p:nvSpPr>
-          <p:cNvPr id="9" name="PlaceHolder 1"/>
+          <p:cNvPr id="11" name="PlaceHolder 1"/>
           <p:cNvSpPr>
             <a:spLocks noGrp="1"/>
           </p:cNvSpPr>
@@ -3878,7 +1371,7 @@
       </p:sp>
       <p:sp>
         <p:nvSpPr>
-          <p:cNvPr id="10" name="PlaceHolder 2"/>
+          <p:cNvPr id="12" name="PlaceHolder 2"/>
           <p:cNvSpPr>
             <a:spLocks noGrp="1"/>
           </p:cNvSpPr>
@@ -3921,7 +1414,7 @@
       </p:sp>
       <p:sp>
         <p:nvSpPr>
-          <p:cNvPr id="11" name="PlaceHolder 3"/>
+          <p:cNvPr id="13" name="PlaceHolder 3"/>
           <p:cNvSpPr>
             <a:spLocks noGrp="1"/>
           </p:cNvSpPr>
@@ -3996,7 +1489,7 @@
         <p:txBody>
           <a:bodyPr/>
           <a:p>
-            <a:fld id="{5A43C4FA-E4B2-423D-9FF4-1F65C92C0C6A}" type="slidenum">
+            <a:fld id="{35464D45-6B8D-4CD5-A0E5-22DBC4663EC6}" type="slidenum">
               <a:t>&lt;#&gt;</a:t>
             </a:fld>
           </a:p>
@@ -4047,7 +1540,7 @@
       </p:grpSpPr>
       <p:sp>
         <p:nvSpPr>
-          <p:cNvPr id="12" name="PlaceHolder 1"/>
+          <p:cNvPr id="14" name="PlaceHolder 1"/>
           <p:cNvSpPr>
             <a:spLocks noGrp="1"/>
           </p:cNvSpPr>
@@ -4119,7 +1612,7 @@
         <p:txBody>
           <a:bodyPr/>
           <a:p>
-            <a:fld id="{899EB004-4D31-415E-A549-C5DDB2EF8FB6}" type="slidenum">
+            <a:fld id="{E4D287D4-B2A7-4AE4-8E9A-8416DEC1B68A}" type="slidenum">
               <a:t>&lt;#&gt;</a:t>
             </a:fld>
           </a:p>
@@ -4170,7 +1663,7 @@
       </p:grpSpPr>
       <p:sp>
         <p:nvSpPr>
-          <p:cNvPr id="13" name="PlaceHolder 1"/>
+          <p:cNvPr id="15" name="PlaceHolder 1"/>
           <p:cNvSpPr>
             <a:spLocks noGrp="1"/>
           </p:cNvSpPr>
@@ -4240,7 +1733,7 @@
         <p:txBody>
           <a:bodyPr/>
           <a:p>
-            <a:fld id="{FBB507E8-5100-405F-8B5B-FCEC1569B944}" type="slidenum">
+            <a:fld id="{D45C2597-9667-4FD5-947D-E849F2E81CE0}" type="slidenum">
               <a:t>&lt;#&gt;</a:t>
             </a:fld>
           </a:p>
@@ -4291,7 +1784,7 @@
       </p:grpSpPr>
       <p:sp>
         <p:nvSpPr>
-          <p:cNvPr id="14" name="PlaceHolder 1"/>
+          <p:cNvPr id="16" name="PlaceHolder 1"/>
           <p:cNvSpPr>
             <a:spLocks noGrp="1"/>
           </p:cNvSpPr>
@@ -4331,7 +1824,7 @@
       </p:sp>
       <p:sp>
         <p:nvSpPr>
-          <p:cNvPr id="15" name="PlaceHolder 2"/>
+          <p:cNvPr id="17" name="PlaceHolder 2"/>
           <p:cNvSpPr>
             <a:spLocks noGrp="1"/>
           </p:cNvSpPr>
@@ -4374,7 +1867,7 @@
       </p:sp>
       <p:sp>
         <p:nvSpPr>
-          <p:cNvPr id="16" name="PlaceHolder 3"/>
+          <p:cNvPr id="18" name="PlaceHolder 3"/>
           <p:cNvSpPr>
             <a:spLocks noGrp="1"/>
           </p:cNvSpPr>
@@ -4417,7 +1910,7 @@
       </p:sp>
       <p:sp>
         <p:nvSpPr>
-          <p:cNvPr id="17" name="PlaceHolder 4"/>
+          <p:cNvPr id="19" name="PlaceHolder 4"/>
           <p:cNvSpPr>
             <a:spLocks noGrp="1"/>
           </p:cNvSpPr>
@@ -4492,7 +1985,7 @@
         <p:txBody>
           <a:bodyPr/>
           <a:p>
-            <a:fld id="{DF53E6DC-3860-4066-8856-E952759BD746}" type="slidenum">
+            <a:fld id="{9EB311C1-F715-4552-8A89-B4C4FC19A828}" type="slidenum">
               <a:t>&lt;#&gt;</a:t>
             </a:fld>
           </a:p>
@@ -4543,7 +2036,7 @@
       </p:grpSpPr>
       <p:sp>
         <p:nvSpPr>
-          <p:cNvPr id="18" name="PlaceHolder 1"/>
+          <p:cNvPr id="20" name="PlaceHolder 1"/>
           <p:cNvSpPr>
             <a:spLocks noGrp="1"/>
           </p:cNvSpPr>
@@ -4583,7 +2076,7 @@
       </p:sp>
       <p:sp>
         <p:nvSpPr>
-          <p:cNvPr id="19" name="PlaceHolder 2"/>
+          <p:cNvPr id="21" name="PlaceHolder 2"/>
           <p:cNvSpPr>
             <a:spLocks noGrp="1"/>
           </p:cNvSpPr>
@@ -4626,7 +2119,7 @@
       </p:sp>
       <p:sp>
         <p:nvSpPr>
-          <p:cNvPr id="20" name="PlaceHolder 3"/>
+          <p:cNvPr id="22" name="PlaceHolder 3"/>
           <p:cNvSpPr>
             <a:spLocks noGrp="1"/>
           </p:cNvSpPr>
@@ -4669,7 +2162,7 @@
       </p:sp>
       <p:sp>
         <p:nvSpPr>
-          <p:cNvPr id="21" name="PlaceHolder 4"/>
+          <p:cNvPr id="23" name="PlaceHolder 4"/>
           <p:cNvSpPr>
             <a:spLocks noGrp="1"/>
           </p:cNvSpPr>
@@ -4744,7 +2237,7 @@
         <p:txBody>
           <a:bodyPr/>
           <a:p>
-            <a:fld id="{E8061DDD-40B8-488E-ADC7-B0E9D5F65DA0}" type="slidenum">
+            <a:fld id="{39F9807B-CD06-4B4B-BD27-81F3EDAA5B74}" type="slidenum">
               <a:t>&lt;#&gt;</a:t>
             </a:fld>
           </a:p>
@@ -4795,7 +2288,7 @@
       </p:grpSpPr>
       <p:sp>
         <p:nvSpPr>
-          <p:cNvPr id="22" name="PlaceHolder 1"/>
+          <p:cNvPr id="24" name="PlaceHolder 1"/>
           <p:cNvSpPr>
             <a:spLocks noGrp="1"/>
           </p:cNvSpPr>
@@ -4835,7 +2328,7 @@
       </p:sp>
       <p:sp>
         <p:nvSpPr>
-          <p:cNvPr id="23" name="PlaceHolder 2"/>
+          <p:cNvPr id="25" name="PlaceHolder 2"/>
           <p:cNvSpPr>
             <a:spLocks noGrp="1"/>
           </p:cNvSpPr>
@@ -4878,7 +2371,7 @@
       </p:sp>
       <p:sp>
         <p:nvSpPr>
-          <p:cNvPr id="24" name="PlaceHolder 3"/>
+          <p:cNvPr id="26" name="PlaceHolder 3"/>
           <p:cNvSpPr>
             <a:spLocks noGrp="1"/>
           </p:cNvSpPr>
@@ -4921,7 +2414,7 @@
       </p:sp>
       <p:sp>
         <p:nvSpPr>
-          <p:cNvPr id="25" name="PlaceHolder 4"/>
+          <p:cNvPr id="27" name="PlaceHolder 4"/>
           <p:cNvSpPr>
             <a:spLocks noGrp="1"/>
           </p:cNvSpPr>
@@ -4996,7 +2489,7 @@
         <p:txBody>
           <a:bodyPr/>
           <a:p>
-            <a:fld id="{A233CA50-B4F8-4BEF-8B91-AAC601FC448E}" type="slidenum">
+            <a:fld id="{1A10945A-97B8-495C-A849-60E9251B73C5}" type="slidenum">
               <a:t>&lt;#&gt;</a:t>
             </a:fld>
           </a:p>
@@ -5059,13 +2552,737 @@
             <a:spLocks noGrp="1"/>
           </p:cNvSpPr>
           <p:nvPr>
+            <p:ph type="title"/>
+          </p:nvPr>
+        </p:nvSpPr>
+        <p:spPr>
+          <a:xfrm>
+            <a:off x="378000" y="426600"/>
+            <a:ext cx="6804360" cy="1784880"/>
+          </a:xfrm>
+          <a:prstGeom prst="rect">
+            <a:avLst/>
+          </a:prstGeom>
+          <a:noFill/>
+          <a:ln w="0">
+            <a:noFill/>
+          </a:ln>
+        </p:spPr>
+        <p:txBody>
+          <a:bodyPr lIns="0" rIns="0" tIns="0" bIns="0" anchor="ctr">
+            <a:noAutofit/>
+          </a:bodyPr>
+          <a:p>
+            <a:pPr indent="0">
+              <a:buNone/>
+            </a:pPr>
+            <a:r>
+              <a:rPr b="0" lang="pt-PT" sz="1800" spc="-1" strike="noStrike">
+                <a:solidFill>
+                  <a:srgbClr val="000000"/>
+                </a:solidFill>
+                <a:latin typeface="Arial"/>
+              </a:rPr>
+              <a:t>Click to edit the title text format</a:t>
+            </a:r>
+            <a:endParaRPr b="0" lang="pt-PT" sz="1800" spc="-1" strike="noStrike">
+              <a:solidFill>
+                <a:srgbClr val="000000"/>
+              </a:solidFill>
+              <a:latin typeface="Arial"/>
+            </a:endParaRPr>
+          </a:p>
+        </p:txBody>
+      </p:sp>
+      <p:sp>
+        <p:nvSpPr>
+          <p:cNvPr id="1" name="PlaceHolder 2"/>
+          <p:cNvSpPr>
+            <a:spLocks noGrp="1"/>
+          </p:cNvSpPr>
+          <p:nvPr>
+            <p:ph type="body"/>
+          </p:nvPr>
+        </p:nvSpPr>
+        <p:spPr>
+          <a:xfrm>
+            <a:off x="378000" y="2502000"/>
+            <a:ext cx="3320280" cy="2957760"/>
+          </a:xfrm>
+          <a:prstGeom prst="rect">
+            <a:avLst/>
+          </a:prstGeom>
+          <a:noFill/>
+          <a:ln w="0">
+            <a:noFill/>
+          </a:ln>
+        </p:spPr>
+        <p:txBody>
+          <a:bodyPr lIns="0" rIns="0" tIns="0" bIns="0" anchor="t">
+            <a:normAutofit fontScale="62222"/>
+          </a:bodyPr>
+          <a:p>
+            <a:pPr marL="432000" indent="-324000">
+              <a:spcBef>
+                <a:spcPts val="1417"/>
+              </a:spcBef>
+              <a:buClr>
+                <a:srgbClr val="000000"/>
+              </a:buClr>
+              <a:buSzPct val="45000"/>
+              <a:buFont typeface="Wingdings" charset="2"/>
+              <a:buChar char=""/>
+            </a:pPr>
+            <a:r>
+              <a:rPr b="0" lang="pt-PT" sz="1800" spc="-1" strike="noStrike">
+                <a:solidFill>
+                  <a:srgbClr val="000000"/>
+                </a:solidFill>
+                <a:latin typeface="Arial"/>
+              </a:rPr>
+              <a:t>Click to edit the outline text format</a:t>
+            </a:r>
+            <a:endParaRPr b="0" lang="pt-PT" sz="1800" spc="-1" strike="noStrike">
+              <a:solidFill>
+                <a:srgbClr val="000000"/>
+              </a:solidFill>
+              <a:latin typeface="Arial"/>
+            </a:endParaRPr>
+          </a:p>
+          <a:p>
+            <a:pPr lvl="1" marL="864000" indent="-324000">
+              <a:spcBef>
+                <a:spcPts val="1134"/>
+              </a:spcBef>
+              <a:buClr>
+                <a:srgbClr val="000000"/>
+              </a:buClr>
+              <a:buSzPct val="75000"/>
+              <a:buFont typeface="Symbol" charset="2"/>
+              <a:buChar char=""/>
+            </a:pPr>
+            <a:r>
+              <a:rPr b="0" lang="pt-PT" sz="1800" spc="-1" strike="noStrike">
+                <a:solidFill>
+                  <a:srgbClr val="000000"/>
+                </a:solidFill>
+                <a:latin typeface="Arial"/>
+              </a:rPr>
+              <a:t>Second Outline Level</a:t>
+            </a:r>
+            <a:endParaRPr b="0" lang="pt-PT" sz="1800" spc="-1" strike="noStrike">
+              <a:solidFill>
+                <a:srgbClr val="000000"/>
+              </a:solidFill>
+              <a:latin typeface="Arial"/>
+            </a:endParaRPr>
+          </a:p>
+          <a:p>
+            <a:pPr lvl="2" marL="1296000" indent="-288000">
+              <a:spcBef>
+                <a:spcPts val="850"/>
+              </a:spcBef>
+              <a:buClr>
+                <a:srgbClr val="000000"/>
+              </a:buClr>
+              <a:buSzPct val="45000"/>
+              <a:buFont typeface="Wingdings" charset="2"/>
+              <a:buChar char=""/>
+            </a:pPr>
+            <a:r>
+              <a:rPr b="0" lang="pt-PT" sz="1800" spc="-1" strike="noStrike">
+                <a:solidFill>
+                  <a:srgbClr val="000000"/>
+                </a:solidFill>
+                <a:latin typeface="Arial"/>
+              </a:rPr>
+              <a:t>Third Outline Level</a:t>
+            </a:r>
+            <a:endParaRPr b="0" lang="pt-PT" sz="1800" spc="-1" strike="noStrike">
+              <a:solidFill>
+                <a:srgbClr val="000000"/>
+              </a:solidFill>
+              <a:latin typeface="Arial"/>
+            </a:endParaRPr>
+          </a:p>
+          <a:p>
+            <a:pPr lvl="3" marL="1728000" indent="-216000">
+              <a:spcBef>
+                <a:spcPts val="567"/>
+              </a:spcBef>
+              <a:buClr>
+                <a:srgbClr val="000000"/>
+              </a:buClr>
+              <a:buSzPct val="75000"/>
+              <a:buFont typeface="Symbol" charset="2"/>
+              <a:buChar char=""/>
+            </a:pPr>
+            <a:r>
+              <a:rPr b="0" lang="pt-PT" sz="1800" spc="-1" strike="noStrike">
+                <a:solidFill>
+                  <a:srgbClr val="000000"/>
+                </a:solidFill>
+                <a:latin typeface="Arial"/>
+              </a:rPr>
+              <a:t>Fourth Outline Level</a:t>
+            </a:r>
+            <a:endParaRPr b="0" lang="pt-PT" sz="1800" spc="-1" strike="noStrike">
+              <a:solidFill>
+                <a:srgbClr val="000000"/>
+              </a:solidFill>
+              <a:latin typeface="Arial"/>
+            </a:endParaRPr>
+          </a:p>
+          <a:p>
+            <a:pPr lvl="4" marL="2160000" indent="-216000">
+              <a:spcBef>
+                <a:spcPts val="283"/>
+              </a:spcBef>
+              <a:buClr>
+                <a:srgbClr val="000000"/>
+              </a:buClr>
+              <a:buSzPct val="45000"/>
+              <a:buFont typeface="Wingdings" charset="2"/>
+              <a:buChar char=""/>
+            </a:pPr>
+            <a:r>
+              <a:rPr b="0" lang="pt-PT" sz="1800" spc="-1" strike="noStrike">
+                <a:solidFill>
+                  <a:srgbClr val="000000"/>
+                </a:solidFill>
+                <a:latin typeface="Arial"/>
+              </a:rPr>
+              <a:t>Fifth Outline Level</a:t>
+            </a:r>
+            <a:endParaRPr b="0" lang="pt-PT" sz="1800" spc="-1" strike="noStrike">
+              <a:solidFill>
+                <a:srgbClr val="000000"/>
+              </a:solidFill>
+              <a:latin typeface="Arial"/>
+            </a:endParaRPr>
+          </a:p>
+          <a:p>
+            <a:pPr lvl="5" marL="2592000" indent="-216000">
+              <a:spcBef>
+                <a:spcPts val="283"/>
+              </a:spcBef>
+              <a:buClr>
+                <a:srgbClr val="000000"/>
+              </a:buClr>
+              <a:buSzPct val="45000"/>
+              <a:buFont typeface="Wingdings" charset="2"/>
+              <a:buChar char=""/>
+            </a:pPr>
+            <a:r>
+              <a:rPr b="0" lang="pt-PT" sz="1800" spc="-1" strike="noStrike">
+                <a:solidFill>
+                  <a:srgbClr val="000000"/>
+                </a:solidFill>
+                <a:latin typeface="Arial"/>
+              </a:rPr>
+              <a:t>Sixth Outline Level</a:t>
+            </a:r>
+            <a:endParaRPr b="0" lang="pt-PT" sz="1800" spc="-1" strike="noStrike">
+              <a:solidFill>
+                <a:srgbClr val="000000"/>
+              </a:solidFill>
+              <a:latin typeface="Arial"/>
+            </a:endParaRPr>
+          </a:p>
+          <a:p>
+            <a:pPr lvl="6" marL="3024000" indent="-216000">
+              <a:spcBef>
+                <a:spcPts val="283"/>
+              </a:spcBef>
+              <a:buClr>
+                <a:srgbClr val="000000"/>
+              </a:buClr>
+              <a:buSzPct val="45000"/>
+              <a:buFont typeface="Wingdings" charset="2"/>
+              <a:buChar char=""/>
+            </a:pPr>
+            <a:r>
+              <a:rPr b="0" lang="pt-PT" sz="1800" spc="-1" strike="noStrike">
+                <a:solidFill>
+                  <a:srgbClr val="000000"/>
+                </a:solidFill>
+                <a:latin typeface="Arial"/>
+              </a:rPr>
+              <a:t>Seventh Outline Level</a:t>
+            </a:r>
+            <a:endParaRPr b="0" lang="pt-PT" sz="1800" spc="-1" strike="noStrike">
+              <a:solidFill>
+                <a:srgbClr val="000000"/>
+              </a:solidFill>
+              <a:latin typeface="Arial"/>
+            </a:endParaRPr>
+          </a:p>
+        </p:txBody>
+      </p:sp>
+      <p:sp>
+        <p:nvSpPr>
+          <p:cNvPr id="2" name="PlaceHolder 3"/>
+          <p:cNvSpPr>
+            <a:spLocks noGrp="1"/>
+          </p:cNvSpPr>
+          <p:nvPr>
+            <p:ph type="body"/>
+          </p:nvPr>
+        </p:nvSpPr>
+        <p:spPr>
+          <a:xfrm>
+            <a:off x="3864960" y="2502000"/>
+            <a:ext cx="3320280" cy="2957760"/>
+          </a:xfrm>
+          <a:prstGeom prst="rect">
+            <a:avLst/>
+          </a:prstGeom>
+          <a:noFill/>
+          <a:ln w="0">
+            <a:noFill/>
+          </a:ln>
+        </p:spPr>
+        <p:txBody>
+          <a:bodyPr lIns="0" rIns="0" tIns="0" bIns="0" anchor="t">
+            <a:normAutofit fontScale="62222"/>
+          </a:bodyPr>
+          <a:p>
+            <a:pPr marL="432000" indent="-324000">
+              <a:spcBef>
+                <a:spcPts val="1417"/>
+              </a:spcBef>
+              <a:buClr>
+                <a:srgbClr val="000000"/>
+              </a:buClr>
+              <a:buSzPct val="45000"/>
+              <a:buFont typeface="Wingdings" charset="2"/>
+              <a:buChar char=""/>
+            </a:pPr>
+            <a:r>
+              <a:rPr b="0" lang="pt-PT" sz="1800" spc="-1" strike="noStrike">
+                <a:solidFill>
+                  <a:srgbClr val="000000"/>
+                </a:solidFill>
+                <a:latin typeface="Arial"/>
+              </a:rPr>
+              <a:t>Click to edit the outline text format</a:t>
+            </a:r>
+            <a:endParaRPr b="0" lang="pt-PT" sz="1800" spc="-1" strike="noStrike">
+              <a:solidFill>
+                <a:srgbClr val="000000"/>
+              </a:solidFill>
+              <a:latin typeface="Arial"/>
+            </a:endParaRPr>
+          </a:p>
+          <a:p>
+            <a:pPr lvl="1" marL="864000" indent="-324000">
+              <a:spcBef>
+                <a:spcPts val="1134"/>
+              </a:spcBef>
+              <a:buClr>
+                <a:srgbClr val="000000"/>
+              </a:buClr>
+              <a:buSzPct val="75000"/>
+              <a:buFont typeface="Symbol" charset="2"/>
+              <a:buChar char=""/>
+            </a:pPr>
+            <a:r>
+              <a:rPr b="0" lang="pt-PT" sz="1800" spc="-1" strike="noStrike">
+                <a:solidFill>
+                  <a:srgbClr val="000000"/>
+                </a:solidFill>
+                <a:latin typeface="Arial"/>
+              </a:rPr>
+              <a:t>Second Outline Level</a:t>
+            </a:r>
+            <a:endParaRPr b="0" lang="pt-PT" sz="1800" spc="-1" strike="noStrike">
+              <a:solidFill>
+                <a:srgbClr val="000000"/>
+              </a:solidFill>
+              <a:latin typeface="Arial"/>
+            </a:endParaRPr>
+          </a:p>
+          <a:p>
+            <a:pPr lvl="2" marL="1296000" indent="-288000">
+              <a:spcBef>
+                <a:spcPts val="850"/>
+              </a:spcBef>
+              <a:buClr>
+                <a:srgbClr val="000000"/>
+              </a:buClr>
+              <a:buSzPct val="45000"/>
+              <a:buFont typeface="Wingdings" charset="2"/>
+              <a:buChar char=""/>
+            </a:pPr>
+            <a:r>
+              <a:rPr b="0" lang="pt-PT" sz="1800" spc="-1" strike="noStrike">
+                <a:solidFill>
+                  <a:srgbClr val="000000"/>
+                </a:solidFill>
+                <a:latin typeface="Arial"/>
+              </a:rPr>
+              <a:t>Third Outline Level</a:t>
+            </a:r>
+            <a:endParaRPr b="0" lang="pt-PT" sz="1800" spc="-1" strike="noStrike">
+              <a:solidFill>
+                <a:srgbClr val="000000"/>
+              </a:solidFill>
+              <a:latin typeface="Arial"/>
+            </a:endParaRPr>
+          </a:p>
+          <a:p>
+            <a:pPr lvl="3" marL="1728000" indent="-216000">
+              <a:spcBef>
+                <a:spcPts val="567"/>
+              </a:spcBef>
+              <a:buClr>
+                <a:srgbClr val="000000"/>
+              </a:buClr>
+              <a:buSzPct val="75000"/>
+              <a:buFont typeface="Symbol" charset="2"/>
+              <a:buChar char=""/>
+            </a:pPr>
+            <a:r>
+              <a:rPr b="0" lang="pt-PT" sz="1800" spc="-1" strike="noStrike">
+                <a:solidFill>
+                  <a:srgbClr val="000000"/>
+                </a:solidFill>
+                <a:latin typeface="Arial"/>
+              </a:rPr>
+              <a:t>Fourth Outline Level</a:t>
+            </a:r>
+            <a:endParaRPr b="0" lang="pt-PT" sz="1800" spc="-1" strike="noStrike">
+              <a:solidFill>
+                <a:srgbClr val="000000"/>
+              </a:solidFill>
+              <a:latin typeface="Arial"/>
+            </a:endParaRPr>
+          </a:p>
+          <a:p>
+            <a:pPr lvl="4" marL="2160000" indent="-216000">
+              <a:spcBef>
+                <a:spcPts val="283"/>
+              </a:spcBef>
+              <a:buClr>
+                <a:srgbClr val="000000"/>
+              </a:buClr>
+              <a:buSzPct val="45000"/>
+              <a:buFont typeface="Wingdings" charset="2"/>
+              <a:buChar char=""/>
+            </a:pPr>
+            <a:r>
+              <a:rPr b="0" lang="pt-PT" sz="1800" spc="-1" strike="noStrike">
+                <a:solidFill>
+                  <a:srgbClr val="000000"/>
+                </a:solidFill>
+                <a:latin typeface="Arial"/>
+              </a:rPr>
+              <a:t>Fifth Outline Level</a:t>
+            </a:r>
+            <a:endParaRPr b="0" lang="pt-PT" sz="1800" spc="-1" strike="noStrike">
+              <a:solidFill>
+                <a:srgbClr val="000000"/>
+              </a:solidFill>
+              <a:latin typeface="Arial"/>
+            </a:endParaRPr>
+          </a:p>
+          <a:p>
+            <a:pPr lvl="5" marL="2592000" indent="-216000">
+              <a:spcBef>
+                <a:spcPts val="283"/>
+              </a:spcBef>
+              <a:buClr>
+                <a:srgbClr val="000000"/>
+              </a:buClr>
+              <a:buSzPct val="45000"/>
+              <a:buFont typeface="Wingdings" charset="2"/>
+              <a:buChar char=""/>
+            </a:pPr>
+            <a:r>
+              <a:rPr b="0" lang="pt-PT" sz="1800" spc="-1" strike="noStrike">
+                <a:solidFill>
+                  <a:srgbClr val="000000"/>
+                </a:solidFill>
+                <a:latin typeface="Arial"/>
+              </a:rPr>
+              <a:t>Sixth Outline Level</a:t>
+            </a:r>
+            <a:endParaRPr b="0" lang="pt-PT" sz="1800" spc="-1" strike="noStrike">
+              <a:solidFill>
+                <a:srgbClr val="000000"/>
+              </a:solidFill>
+              <a:latin typeface="Arial"/>
+            </a:endParaRPr>
+          </a:p>
+          <a:p>
+            <a:pPr lvl="6" marL="3024000" indent="-216000">
+              <a:spcBef>
+                <a:spcPts val="283"/>
+              </a:spcBef>
+              <a:buClr>
+                <a:srgbClr val="000000"/>
+              </a:buClr>
+              <a:buSzPct val="45000"/>
+              <a:buFont typeface="Wingdings" charset="2"/>
+              <a:buChar char=""/>
+            </a:pPr>
+            <a:r>
+              <a:rPr b="0" lang="pt-PT" sz="1800" spc="-1" strike="noStrike">
+                <a:solidFill>
+                  <a:srgbClr val="000000"/>
+                </a:solidFill>
+                <a:latin typeface="Arial"/>
+              </a:rPr>
+              <a:t>Seventh Outline Level</a:t>
+            </a:r>
+            <a:endParaRPr b="0" lang="pt-PT" sz="1800" spc="-1" strike="noStrike">
+              <a:solidFill>
+                <a:srgbClr val="000000"/>
+              </a:solidFill>
+              <a:latin typeface="Arial"/>
+            </a:endParaRPr>
+          </a:p>
+        </p:txBody>
+      </p:sp>
+      <p:sp>
+        <p:nvSpPr>
+          <p:cNvPr id="3" name="PlaceHolder 4"/>
+          <p:cNvSpPr>
+            <a:spLocks noGrp="1"/>
+          </p:cNvSpPr>
+          <p:nvPr>
+            <p:ph type="body"/>
+          </p:nvPr>
+        </p:nvSpPr>
+        <p:spPr>
+          <a:xfrm>
+            <a:off x="378000" y="5741640"/>
+            <a:ext cx="6804360" cy="2957760"/>
+          </a:xfrm>
+          <a:prstGeom prst="rect">
+            <a:avLst/>
+          </a:prstGeom>
+          <a:noFill/>
+          <a:ln w="0">
+            <a:noFill/>
+          </a:ln>
+        </p:spPr>
+        <p:txBody>
+          <a:bodyPr lIns="0" rIns="0" tIns="0" bIns="0" anchor="t">
+            <a:normAutofit/>
+          </a:bodyPr>
+          <a:p>
+            <a:pPr marL="432000" indent="-324000">
+              <a:spcBef>
+                <a:spcPts val="1417"/>
+              </a:spcBef>
+              <a:buClr>
+                <a:srgbClr val="000000"/>
+              </a:buClr>
+              <a:buSzPct val="45000"/>
+              <a:buFont typeface="Wingdings" charset="2"/>
+              <a:buChar char=""/>
+            </a:pPr>
+            <a:r>
+              <a:rPr b="0" lang="pt-PT" sz="1800" spc="-1" strike="noStrike">
+                <a:solidFill>
+                  <a:srgbClr val="000000"/>
+                </a:solidFill>
+                <a:latin typeface="Arial"/>
+              </a:rPr>
+              <a:t>Click to edit the outline text format</a:t>
+            </a:r>
+            <a:endParaRPr b="0" lang="pt-PT" sz="1800" spc="-1" strike="noStrike">
+              <a:solidFill>
+                <a:srgbClr val="000000"/>
+              </a:solidFill>
+              <a:latin typeface="Arial"/>
+            </a:endParaRPr>
+          </a:p>
+          <a:p>
+            <a:pPr lvl="1" marL="864000" indent="-324000">
+              <a:spcBef>
+                <a:spcPts val="1134"/>
+              </a:spcBef>
+              <a:buClr>
+                <a:srgbClr val="000000"/>
+              </a:buClr>
+              <a:buSzPct val="75000"/>
+              <a:buFont typeface="Symbol" charset="2"/>
+              <a:buChar char=""/>
+            </a:pPr>
+            <a:r>
+              <a:rPr b="0" lang="pt-PT" sz="1800" spc="-1" strike="noStrike">
+                <a:solidFill>
+                  <a:srgbClr val="000000"/>
+                </a:solidFill>
+                <a:latin typeface="Arial"/>
+              </a:rPr>
+              <a:t>Second Outline Level</a:t>
+            </a:r>
+            <a:endParaRPr b="0" lang="pt-PT" sz="1800" spc="-1" strike="noStrike">
+              <a:solidFill>
+                <a:srgbClr val="000000"/>
+              </a:solidFill>
+              <a:latin typeface="Arial"/>
+            </a:endParaRPr>
+          </a:p>
+          <a:p>
+            <a:pPr lvl="2" marL="1296000" indent="-288000">
+              <a:spcBef>
+                <a:spcPts val="850"/>
+              </a:spcBef>
+              <a:buClr>
+                <a:srgbClr val="000000"/>
+              </a:buClr>
+              <a:buSzPct val="45000"/>
+              <a:buFont typeface="Wingdings" charset="2"/>
+              <a:buChar char=""/>
+            </a:pPr>
+            <a:r>
+              <a:rPr b="0" lang="pt-PT" sz="1800" spc="-1" strike="noStrike">
+                <a:solidFill>
+                  <a:srgbClr val="000000"/>
+                </a:solidFill>
+                <a:latin typeface="Arial"/>
+              </a:rPr>
+              <a:t>Third Outline Level</a:t>
+            </a:r>
+            <a:endParaRPr b="0" lang="pt-PT" sz="1800" spc="-1" strike="noStrike">
+              <a:solidFill>
+                <a:srgbClr val="000000"/>
+              </a:solidFill>
+              <a:latin typeface="Arial"/>
+            </a:endParaRPr>
+          </a:p>
+          <a:p>
+            <a:pPr lvl="3" marL="1728000" indent="-216000">
+              <a:spcBef>
+                <a:spcPts val="567"/>
+              </a:spcBef>
+              <a:buClr>
+                <a:srgbClr val="000000"/>
+              </a:buClr>
+              <a:buSzPct val="75000"/>
+              <a:buFont typeface="Symbol" charset="2"/>
+              <a:buChar char=""/>
+            </a:pPr>
+            <a:r>
+              <a:rPr b="0" lang="pt-PT" sz="1800" spc="-1" strike="noStrike">
+                <a:solidFill>
+                  <a:srgbClr val="000000"/>
+                </a:solidFill>
+                <a:latin typeface="Arial"/>
+              </a:rPr>
+              <a:t>Fourth Outline Level</a:t>
+            </a:r>
+            <a:endParaRPr b="0" lang="pt-PT" sz="1800" spc="-1" strike="noStrike">
+              <a:solidFill>
+                <a:srgbClr val="000000"/>
+              </a:solidFill>
+              <a:latin typeface="Arial"/>
+            </a:endParaRPr>
+          </a:p>
+          <a:p>
+            <a:pPr lvl="4" marL="2160000" indent="-216000">
+              <a:spcBef>
+                <a:spcPts val="283"/>
+              </a:spcBef>
+              <a:buClr>
+                <a:srgbClr val="000000"/>
+              </a:buClr>
+              <a:buSzPct val="45000"/>
+              <a:buFont typeface="Wingdings" charset="2"/>
+              <a:buChar char=""/>
+            </a:pPr>
+            <a:r>
+              <a:rPr b="0" lang="pt-PT" sz="1800" spc="-1" strike="noStrike">
+                <a:solidFill>
+                  <a:srgbClr val="000000"/>
+                </a:solidFill>
+                <a:latin typeface="Arial"/>
+              </a:rPr>
+              <a:t>Fifth Outline Level</a:t>
+            </a:r>
+            <a:endParaRPr b="0" lang="pt-PT" sz="1800" spc="-1" strike="noStrike">
+              <a:solidFill>
+                <a:srgbClr val="000000"/>
+              </a:solidFill>
+              <a:latin typeface="Arial"/>
+            </a:endParaRPr>
+          </a:p>
+          <a:p>
+            <a:pPr lvl="5" marL="2592000" indent="-216000">
+              <a:spcBef>
+                <a:spcPts val="283"/>
+              </a:spcBef>
+              <a:buClr>
+                <a:srgbClr val="000000"/>
+              </a:buClr>
+              <a:buSzPct val="45000"/>
+              <a:buFont typeface="Wingdings" charset="2"/>
+              <a:buChar char=""/>
+            </a:pPr>
+            <a:r>
+              <a:rPr b="0" lang="pt-PT" sz="1800" spc="-1" strike="noStrike">
+                <a:solidFill>
+                  <a:srgbClr val="000000"/>
+                </a:solidFill>
+                <a:latin typeface="Arial"/>
+              </a:rPr>
+              <a:t>Sixth Outline Level</a:t>
+            </a:r>
+            <a:endParaRPr b="0" lang="pt-PT" sz="1800" spc="-1" strike="noStrike">
+              <a:solidFill>
+                <a:srgbClr val="000000"/>
+              </a:solidFill>
+              <a:latin typeface="Arial"/>
+            </a:endParaRPr>
+          </a:p>
+          <a:p>
+            <a:pPr lvl="6" marL="3024000" indent="-216000">
+              <a:spcBef>
+                <a:spcPts val="283"/>
+              </a:spcBef>
+              <a:buClr>
+                <a:srgbClr val="000000"/>
+              </a:buClr>
+              <a:buSzPct val="45000"/>
+              <a:buFont typeface="Wingdings" charset="2"/>
+              <a:buChar char=""/>
+            </a:pPr>
+            <a:r>
+              <a:rPr b="0" lang="pt-PT" sz="1800" spc="-1" strike="noStrike">
+                <a:solidFill>
+                  <a:srgbClr val="000000"/>
+                </a:solidFill>
+                <a:latin typeface="Arial"/>
+              </a:rPr>
+              <a:t>Seventh Outline Level</a:t>
+            </a:r>
+            <a:endParaRPr b="0" lang="pt-PT" sz="1800" spc="-1" strike="noStrike">
+              <a:solidFill>
+                <a:srgbClr val="000000"/>
+              </a:solidFill>
+              <a:latin typeface="Arial"/>
+            </a:endParaRPr>
+          </a:p>
+        </p:txBody>
+      </p:sp>
+      <p:sp>
+        <p:nvSpPr>
+          <p:cNvPr id="4" name="PlaceHolder 5"/>
+          <p:cNvSpPr>
+            <a:spLocks noGrp="1"/>
+          </p:cNvSpPr>
+          <p:nvPr>
             <p:ph type="ftr" idx="1"/>
           </p:nvPr>
         </p:nvSpPr>
         <p:spPr>
           <a:xfrm>
             <a:off x="2583720" y="9910800"/>
-            <a:ext cx="2391840" cy="568080"/>
+            <a:ext cx="2391480" cy="567720"/>
           </a:xfrm>
           <a:prstGeom prst="rect">
             <a:avLst/>
@@ -5126,7 +3343,7 @@
       </p:sp>
       <p:sp>
         <p:nvSpPr>
-          <p:cNvPr id="1" name="PlaceHolder 2"/>
+          <p:cNvPr id="5" name="PlaceHolder 6"/>
           <p:cNvSpPr>
             <a:spLocks noGrp="1"/>
           </p:cNvSpPr>
@@ -5137,7 +3354,7 @@
         <p:spPr>
           <a:xfrm>
             <a:off x="5418720" y="9910800"/>
-            <a:ext cx="1762920" cy="568080"/>
+            <a:ext cx="1762560" cy="567720"/>
           </a:xfrm>
           <a:prstGeom prst="rect">
             <a:avLst/>
@@ -5180,7 +3397,7 @@
                 <a:tab algn="l" pos="0"/>
               </a:tabLst>
             </a:pPr>
-            <a:fld id="{0272E5BC-3C66-4FE1-A648-83939975368A}" type="slidenum">
+            <a:fld id="{630008E8-BD14-4C0F-BC9F-6147662C01F7}" type="slidenum">
               <a:rPr b="0" lang="pt-PT" sz="1300" spc="-1" strike="noStrike">
                 <a:solidFill>
                   <a:schemeClr val="dk1">
@@ -5202,7 +3419,7 @@
       </p:sp>
       <p:sp>
         <p:nvSpPr>
-          <p:cNvPr id="2" name="PlaceHolder 3"/>
+          <p:cNvPr id="6" name="PlaceHolder 7"/>
           <p:cNvSpPr>
             <a:spLocks noGrp="1"/>
           </p:cNvSpPr>
@@ -5213,7 +3430,7 @@
         <p:spPr>
           <a:xfrm>
             <a:off x="378000" y="9910800"/>
-            <a:ext cx="1762920" cy="568080"/>
+            <a:ext cx="1762560" cy="567720"/>
           </a:xfrm>
           <a:prstGeom prst="rect">
             <a:avLst/>
@@ -5256,280 +3473,6 @@
                 <a:srgbClr val="000000"/>
               </a:solidFill>
               <a:latin typeface="Times New Roman"/>
-            </a:endParaRPr>
-          </a:p>
-        </p:txBody>
-      </p:sp>
-      <p:sp>
-        <p:nvSpPr>
-          <p:cNvPr id="3" name="PlaceHolder 4"/>
-          <p:cNvSpPr>
-            <a:spLocks noGrp="1"/>
-          </p:cNvSpPr>
-          <p:nvPr>
-            <p:ph type="title"/>
-          </p:nvPr>
-        </p:nvSpPr>
-        <p:spPr>
-          <a:xfrm>
-            <a:off x="378000" y="426600"/>
-            <a:ext cx="6804720" cy="1785240"/>
-          </a:xfrm>
-          <a:prstGeom prst="rect">
-            <a:avLst/>
-          </a:prstGeom>
-          <a:noFill/>
-          <a:ln w="0">
-            <a:noFill/>
-          </a:ln>
-        </p:spPr>
-        <p:txBody>
-          <a:bodyPr lIns="0" rIns="0" tIns="0" bIns="0" anchor="ctr">
-            <a:noAutofit/>
-          </a:bodyPr>
-          <a:p>
-            <a:pPr indent="0" algn="ctr">
-              <a:buNone/>
-            </a:pPr>
-            <a:r>
-              <a:rPr b="0" lang="pt-PT" sz="4400" spc="-1" strike="noStrike">
-                <a:solidFill>
-                  <a:srgbClr val="000000"/>
-                </a:solidFill>
-                <a:latin typeface="Arial"/>
-              </a:rPr>
-              <a:t>Click to edit the title text format</a:t>
-            </a:r>
-            <a:endParaRPr b="0" lang="pt-PT" sz="4400" spc="-1" strike="noStrike">
-              <a:solidFill>
-                <a:srgbClr val="000000"/>
-              </a:solidFill>
-              <a:latin typeface="Arial"/>
-            </a:endParaRPr>
-          </a:p>
-        </p:txBody>
-      </p:sp>
-      <p:sp>
-        <p:nvSpPr>
-          <p:cNvPr id="4" name="PlaceHolder 5"/>
-          <p:cNvSpPr>
-            <a:spLocks noGrp="1"/>
-          </p:cNvSpPr>
-          <p:nvPr>
-            <p:ph type="body"/>
-          </p:nvPr>
-        </p:nvSpPr>
-        <p:spPr>
-          <a:xfrm>
-            <a:off x="378000" y="2502000"/>
-            <a:ext cx="6804720" cy="6201720"/>
-          </a:xfrm>
-          <a:prstGeom prst="rect">
-            <a:avLst/>
-          </a:prstGeom>
-          <a:noFill/>
-          <a:ln w="0">
-            <a:noFill/>
-          </a:ln>
-        </p:spPr>
-        <p:txBody>
-          <a:bodyPr lIns="0" rIns="0" tIns="0" bIns="0" anchor="t">
-            <a:normAutofit/>
-          </a:bodyPr>
-          <a:p>
-            <a:pPr marL="432000" indent="-324000">
-              <a:spcBef>
-                <a:spcPts val="1417"/>
-              </a:spcBef>
-              <a:buClr>
-                <a:srgbClr val="000000"/>
-              </a:buClr>
-              <a:buSzPct val="45000"/>
-              <a:buFont typeface="Wingdings" charset="2"/>
-              <a:buChar char=""/>
-            </a:pPr>
-            <a:r>
-              <a:rPr b="0" lang="pt-PT" sz="3200" spc="-1" strike="noStrike">
-                <a:solidFill>
-                  <a:srgbClr val="000000"/>
-                </a:solidFill>
-                <a:latin typeface="Arial"/>
-              </a:rPr>
-              <a:t>Click to edit the outline text format</a:t>
-            </a:r>
-            <a:endParaRPr b="0" lang="pt-PT" sz="3200" spc="-1" strike="noStrike">
-              <a:solidFill>
-                <a:srgbClr val="000000"/>
-              </a:solidFill>
-              <a:latin typeface="Arial"/>
-            </a:endParaRPr>
-          </a:p>
-          <a:p>
-            <a:pPr lvl="1" marL="864000" indent="-324000">
-              <a:spcBef>
-                <a:spcPts val="1134"/>
-              </a:spcBef>
-              <a:buClr>
-                <a:srgbClr val="000000"/>
-              </a:buClr>
-              <a:buSzPct val="75000"/>
-              <a:buFont typeface="Symbol" charset="2"/>
-              <a:buChar char=""/>
-            </a:pPr>
-            <a:r>
-              <a:rPr b="0" lang="pt-PT" sz="2800" spc="-1" strike="noStrike">
-                <a:solidFill>
-                  <a:srgbClr val="000000"/>
-                </a:solidFill>
-                <a:latin typeface="Arial"/>
-              </a:rPr>
-              <a:t>Second Outline Level</a:t>
-            </a:r>
-            <a:endParaRPr b="0" lang="pt-PT" sz="2800" spc="-1" strike="noStrike">
-              <a:solidFill>
-                <a:srgbClr val="000000"/>
-              </a:solidFill>
-              <a:latin typeface="Arial"/>
-            </a:endParaRPr>
-          </a:p>
-          <a:p>
-            <a:pPr lvl="2" marL="1296000" indent="-288000">
-              <a:spcBef>
-                <a:spcPts val="850"/>
-              </a:spcBef>
-              <a:buClr>
-                <a:srgbClr val="000000"/>
-              </a:buClr>
-              <a:buSzPct val="45000"/>
-              <a:buFont typeface="Wingdings" charset="2"/>
-              <a:buChar char=""/>
-            </a:pPr>
-            <a:r>
-              <a:rPr b="0" lang="pt-PT" sz="2400" spc="-1" strike="noStrike">
-                <a:solidFill>
-                  <a:srgbClr val="000000"/>
-                </a:solidFill>
-                <a:latin typeface="Arial"/>
-              </a:rPr>
-              <a:t>Third Outline Level</a:t>
-            </a:r>
-            <a:endParaRPr b="0" lang="pt-PT" sz="2400" spc="-1" strike="noStrike">
-              <a:solidFill>
-                <a:srgbClr val="000000"/>
-              </a:solidFill>
-              <a:latin typeface="Arial"/>
-            </a:endParaRPr>
-          </a:p>
-          <a:p>
-            <a:pPr lvl="3" marL="1728000" indent="-216000">
-              <a:spcBef>
-                <a:spcPts val="567"/>
-              </a:spcBef>
-              <a:buClr>
-                <a:srgbClr val="000000"/>
-              </a:buClr>
-              <a:buSzPct val="75000"/>
-              <a:buFont typeface="Symbol" charset="2"/>
-              <a:buChar char=""/>
-            </a:pPr>
-            <a:r>
-              <a:rPr b="0" lang="pt-PT" sz="2000" spc="-1" strike="noStrike">
-                <a:solidFill>
-                  <a:srgbClr val="000000"/>
-                </a:solidFill>
-                <a:latin typeface="Arial"/>
-              </a:rPr>
-              <a:t>Fourth Outline Level</a:t>
-            </a:r>
-            <a:endParaRPr b="0" lang="pt-PT" sz="2000" spc="-1" strike="noStrike">
-              <a:solidFill>
-                <a:srgbClr val="000000"/>
-              </a:solidFill>
-              <a:latin typeface="Arial"/>
-            </a:endParaRPr>
-          </a:p>
-          <a:p>
-            <a:pPr lvl="4" marL="2160000" indent="-216000">
-              <a:spcBef>
-                <a:spcPts val="283"/>
-              </a:spcBef>
-              <a:buClr>
-                <a:srgbClr val="000000"/>
-              </a:buClr>
-              <a:buSzPct val="45000"/>
-              <a:buFont typeface="Wingdings" charset="2"/>
-              <a:buChar char=""/>
-            </a:pPr>
-            <a:r>
-              <a:rPr b="0" lang="pt-PT" sz="2000" spc="-1" strike="noStrike">
-                <a:solidFill>
-                  <a:srgbClr val="000000"/>
-                </a:solidFill>
-                <a:latin typeface="Arial"/>
-              </a:rPr>
-              <a:t>Fifth Outline Level</a:t>
-            </a:r>
-            <a:endParaRPr b="0" lang="pt-PT" sz="2000" spc="-1" strike="noStrike">
-              <a:solidFill>
-                <a:srgbClr val="000000"/>
-              </a:solidFill>
-              <a:latin typeface="Arial"/>
-            </a:endParaRPr>
-          </a:p>
-          <a:p>
-            <a:pPr lvl="5" marL="2592000" indent="-216000">
-              <a:spcBef>
-                <a:spcPts val="283"/>
-              </a:spcBef>
-              <a:buClr>
-                <a:srgbClr val="000000"/>
-              </a:buClr>
-              <a:buSzPct val="45000"/>
-              <a:buFont typeface="Wingdings" charset="2"/>
-              <a:buChar char=""/>
-            </a:pPr>
-            <a:r>
-              <a:rPr b="0" lang="pt-PT" sz="2000" spc="-1" strike="noStrike">
-                <a:solidFill>
-                  <a:srgbClr val="000000"/>
-                </a:solidFill>
-                <a:latin typeface="Arial"/>
-              </a:rPr>
-              <a:t>Sixth Outline Level</a:t>
-            </a:r>
-            <a:endParaRPr b="0" lang="pt-PT" sz="2000" spc="-1" strike="noStrike">
-              <a:solidFill>
-                <a:srgbClr val="000000"/>
-              </a:solidFill>
-              <a:latin typeface="Arial"/>
-            </a:endParaRPr>
-          </a:p>
-          <a:p>
-            <a:pPr lvl="6" marL="3024000" indent="-216000">
-              <a:spcBef>
-                <a:spcPts val="283"/>
-              </a:spcBef>
-              <a:buClr>
-                <a:srgbClr val="000000"/>
-              </a:buClr>
-              <a:buSzPct val="45000"/>
-              <a:buFont typeface="Wingdings" charset="2"/>
-              <a:buChar char=""/>
-            </a:pPr>
-            <a:r>
-              <a:rPr b="0" lang="pt-PT" sz="2000" spc="-1" strike="noStrike">
-                <a:solidFill>
-                  <a:srgbClr val="000000"/>
-                </a:solidFill>
-                <a:latin typeface="Arial"/>
-              </a:rPr>
-              <a:t>Seventh Outline Level</a:t>
-            </a:r>
-            <a:endParaRPr b="0" lang="pt-PT" sz="2000" spc="-1" strike="noStrike">
-              <a:solidFill>
-                <a:srgbClr val="000000"/>
-              </a:solidFill>
-              <a:latin typeface="Arial"/>
             </a:endParaRPr>
           </a:p>
         </p:txBody>
@@ -5550,532 +3493,6 @@
     <p:sldLayoutId id="2147483658" r:id="rId11"/>
     <p:sldLayoutId id="2147483659" r:id="rId12"/>
     <p:sldLayoutId id="2147483660" r:id="rId13"/>
-  </p:sldLayoutIdLst>
-</p:sldMaster>
-</file>
-
-<file path=ppt/slideMasters/slideMaster2.xml><?xml version="1.0" encoding="utf-8"?>
-<p:sldMaster xmlns:a="http://schemas.openxmlformats.org/drawingml/2006/main" xmlns:p="http://schemas.openxmlformats.org/presentationml/2006/main" xmlns:r="http://schemas.openxmlformats.org/officeDocument/2006/relationships" xmlns:p14="http://schemas.microsoft.com/office/powerpoint/2010/main" xmlns:p15="http://schemas.microsoft.com/office/powerpoint/2012/main" xmlns:mc="http://schemas.openxmlformats.org/markup-compatibility/2006">
-  <p:cSld>
-    <p:bg>
-      <p:bgPr>
-        <a:solidFill>
-          <a:srgbClr val="ffffff"/>
-        </a:solidFill>
-      </p:bgPr>
-    </p:bg>
-    <p:spTree>
-      <p:nvGrpSpPr>
-        <p:cNvPr id="1" name=""/>
-        <p:cNvGrpSpPr/>
-        <p:nvPr/>
-      </p:nvGrpSpPr>
-      <p:grpSpPr>
-        <a:xfrm>
-          <a:off x="0" y="0"/>
-          <a:ext cx="0" cy="0"/>
-          <a:chOff x="0" y="0"/>
-          <a:chExt cx="0" cy="0"/>
-        </a:xfrm>
-      </p:grpSpPr>
-      <p:sp>
-        <p:nvSpPr>
-          <p:cNvPr id="41" name="PlaceHolder 1"/>
-          <p:cNvSpPr>
-            <a:spLocks noGrp="1"/>
-          </p:cNvSpPr>
-          <p:nvPr>
-            <p:ph type="ftr" idx="4"/>
-          </p:nvPr>
-        </p:nvSpPr>
-        <p:spPr>
-          <a:xfrm>
-            <a:off x="2583720" y="9910800"/>
-            <a:ext cx="2391840" cy="568080"/>
-          </a:xfrm>
-          <a:prstGeom prst="rect">
-            <a:avLst/>
-          </a:prstGeom>
-          <a:noFill/>
-          <a:ln w="0">
-            <a:noFill/>
-          </a:ln>
-        </p:spPr>
-        <p:txBody>
-          <a:bodyPr lIns="95760" rIns="95760" tIns="47880" bIns="47880" anchor="ctr">
-            <a:noAutofit/>
-          </a:bodyPr>
-          <a:lstStyle>
-            <a:lvl1pPr indent="0" algn="ctr">
-              <a:lnSpc>
-                <a:spcPct val="100000"/>
-              </a:lnSpc>
-              <a:buNone/>
-              <a:tabLst>
-                <a:tab algn="l" pos="0"/>
-              </a:tabLst>
-              <a:defRPr b="0" lang="pt-PT" sz="1400" spc="-1" strike="noStrike">
-                <a:solidFill>
-                  <a:srgbClr val="000000"/>
-                </a:solidFill>
-                <a:latin typeface="Times New Roman"/>
-              </a:defRPr>
-            </a:lvl1pPr>
-          </a:lstStyle>
-          <a:p>
-            <a:pPr indent="0" algn="ctr">
-              <a:lnSpc>
-                <a:spcPct val="100000"/>
-              </a:lnSpc>
-              <a:buNone/>
-              <a:tabLst>
-                <a:tab algn="l" pos="0"/>
-              </a:tabLst>
-            </a:pPr>
-            <a:r>
-              <a:rPr b="0" lang="pt-PT" sz="1400" spc="-1" strike="noStrike">
-                <a:solidFill>
-                  <a:srgbClr val="000000"/>
-                </a:solidFill>
-                <a:latin typeface="Times New Roman"/>
-              </a:rPr>
-              <a:t>&lt;footer&gt;</a:t>
-            </a:r>
-            <a:endParaRPr b="0" lang="pt-PT" sz="1400" spc="-1" strike="noStrike">
-              <a:solidFill>
-                <a:srgbClr val="000000"/>
-              </a:solidFill>
-              <a:latin typeface="Times New Roman"/>
-            </a:endParaRPr>
-          </a:p>
-        </p:txBody>
-      </p:sp>
-      <p:sp>
-        <p:nvSpPr>
-          <p:cNvPr id="42" name="PlaceHolder 2"/>
-          <p:cNvSpPr>
-            <a:spLocks noGrp="1"/>
-          </p:cNvSpPr>
-          <p:nvPr>
-            <p:ph type="sldNum" idx="5"/>
-          </p:nvPr>
-        </p:nvSpPr>
-        <p:spPr>
-          <a:xfrm>
-            <a:off x="5418720" y="9910800"/>
-            <a:ext cx="1762920" cy="568080"/>
-          </a:xfrm>
-          <a:prstGeom prst="rect">
-            <a:avLst/>
-          </a:prstGeom>
-          <a:noFill/>
-          <a:ln w="0">
-            <a:noFill/>
-          </a:ln>
-        </p:spPr>
-        <p:txBody>
-          <a:bodyPr lIns="95760" rIns="95760" tIns="47880" bIns="47880" anchor="ctr">
-            <a:noAutofit/>
-          </a:bodyPr>
-          <a:lstStyle>
-            <a:lvl1pPr indent="0" algn="r" defTabSz="957600">
-              <a:lnSpc>
-                <a:spcPct val="100000"/>
-              </a:lnSpc>
-              <a:buNone/>
-              <a:tabLst>
-                <a:tab algn="l" pos="0"/>
-              </a:tabLst>
-              <a:defRPr b="0" lang="pt-PT" sz="1300" spc="-1" strike="noStrike">
-                <a:solidFill>
-                  <a:schemeClr val="dk1">
-                    <a:tint val="75000"/>
-                  </a:schemeClr>
-                </a:solidFill>
-                <a:latin typeface="Calibri"/>
-              </a:defRPr>
-            </a:lvl1pPr>
-          </a:lstStyle>
-          <a:p>
-            <a:pPr indent="0" algn="r" defTabSz="957600">
-              <a:lnSpc>
-                <a:spcPct val="100000"/>
-              </a:lnSpc>
-              <a:buNone/>
-              <a:tabLst>
-                <a:tab algn="l" pos="0"/>
-              </a:tabLst>
-            </a:pPr>
-            <a:fld id="{4485FB75-0CCA-4C01-948F-BBA0466B22E1}" type="slidenum">
-              <a:rPr b="0" lang="pt-PT" sz="1300" spc="-1" strike="noStrike">
-                <a:solidFill>
-                  <a:schemeClr val="dk1">
-                    <a:tint val="75000"/>
-                  </a:schemeClr>
-                </a:solidFill>
-                <a:latin typeface="Calibri"/>
-              </a:rPr>
-              <a:t>&lt;number&gt;</a:t>
-            </a:fld>
-            <a:endParaRPr b="0" lang="pt-PT" sz="1300" spc="-1" strike="noStrike">
-              <a:solidFill>
-                <a:srgbClr val="000000"/>
-              </a:solidFill>
-              <a:latin typeface="Times New Roman"/>
-            </a:endParaRPr>
-          </a:p>
-        </p:txBody>
-      </p:sp>
-      <p:sp>
-        <p:nvSpPr>
-          <p:cNvPr id="43" name="PlaceHolder 3"/>
-          <p:cNvSpPr>
-            <a:spLocks noGrp="1"/>
-          </p:cNvSpPr>
-          <p:nvPr>
-            <p:ph type="dt" idx="6"/>
-          </p:nvPr>
-        </p:nvSpPr>
-        <p:spPr>
-          <a:xfrm>
-            <a:off x="378000" y="9910800"/>
-            <a:ext cx="1762920" cy="568080"/>
-          </a:xfrm>
-          <a:prstGeom prst="rect">
-            <a:avLst/>
-          </a:prstGeom>
-          <a:noFill/>
-          <a:ln w="0">
-            <a:noFill/>
-          </a:ln>
-        </p:spPr>
-        <p:txBody>
-          <a:bodyPr lIns="95760" rIns="95760" tIns="47880" bIns="47880" anchor="ctr">
-            <a:noAutofit/>
-          </a:bodyPr>
-          <a:lstStyle>
-            <a:lvl1pPr indent="0">
-              <a:buNone/>
-              <a:defRPr b="0" lang="pt-PT" sz="1400" spc="-1" strike="noStrike">
-                <a:solidFill>
-                  <a:srgbClr val="000000"/>
-                </a:solidFill>
-                <a:latin typeface="Times New Roman"/>
-              </a:defRPr>
-            </a:lvl1pPr>
-          </a:lstStyle>
-          <a:p>
-            <a:pPr indent="0">
-              <a:buNone/>
-            </a:pPr>
-            <a:r>
-              <a:rPr b="0" lang="pt-PT" sz="1400" spc="-1" strike="noStrike">
-                <a:solidFill>
-                  <a:srgbClr val="000000"/>
-                </a:solidFill>
-                <a:latin typeface="Times New Roman"/>
-              </a:rPr>
-              <a:t>&lt;date/time&gt;</a:t>
-            </a:r>
-            <a:endParaRPr b="0" lang="pt-PT" sz="1400" spc="-1" strike="noStrike">
-              <a:solidFill>
-                <a:srgbClr val="000000"/>
-              </a:solidFill>
-              <a:latin typeface="Times New Roman"/>
-            </a:endParaRPr>
-          </a:p>
-        </p:txBody>
-      </p:sp>
-      <p:sp>
-        <p:nvSpPr>
-          <p:cNvPr id="44" name="PlaceHolder 4"/>
-          <p:cNvSpPr>
-            <a:spLocks noGrp="1"/>
-          </p:cNvSpPr>
-          <p:nvPr>
-            <p:ph type="title"/>
-          </p:nvPr>
-        </p:nvSpPr>
-        <p:spPr>
-          <a:xfrm>
-            <a:off x="378000" y="426600"/>
-            <a:ext cx="6804720" cy="1785240"/>
-          </a:xfrm>
-          <a:prstGeom prst="rect">
-            <a:avLst/>
-          </a:prstGeom>
-          <a:noFill/>
-          <a:ln w="0">
-            <a:noFill/>
-          </a:ln>
-        </p:spPr>
-        <p:txBody>
-          <a:bodyPr lIns="0" rIns="0" tIns="0" bIns="0" anchor="ctr">
-            <a:noAutofit/>
-          </a:bodyPr>
-          <a:p>
-            <a:pPr indent="0" algn="ctr">
-              <a:buNone/>
-            </a:pPr>
-            <a:r>
-              <a:rPr b="0" lang="pt-PT" sz="4400" spc="-1" strike="noStrike">
-                <a:solidFill>
-                  <a:srgbClr val="000000"/>
-                </a:solidFill>
-                <a:latin typeface="Arial"/>
-              </a:rPr>
-              <a:t>Click to edit the title text format</a:t>
-            </a:r>
-            <a:endParaRPr b="0" lang="pt-PT" sz="4400" spc="-1" strike="noStrike">
-              <a:solidFill>
-                <a:srgbClr val="000000"/>
-              </a:solidFill>
-              <a:latin typeface="Arial"/>
-            </a:endParaRPr>
-          </a:p>
-        </p:txBody>
-      </p:sp>
-      <p:sp>
-        <p:nvSpPr>
-          <p:cNvPr id="45" name="PlaceHolder 5"/>
-          <p:cNvSpPr>
-            <a:spLocks noGrp="1"/>
-          </p:cNvSpPr>
-          <p:nvPr>
-            <p:ph type="body"/>
-          </p:nvPr>
-        </p:nvSpPr>
-        <p:spPr>
-          <a:xfrm>
-            <a:off x="378000" y="2502000"/>
-            <a:ext cx="6804720" cy="6201720"/>
-          </a:xfrm>
-          <a:prstGeom prst="rect">
-            <a:avLst/>
-          </a:prstGeom>
-          <a:noFill/>
-          <a:ln w="0">
-            <a:noFill/>
-          </a:ln>
-        </p:spPr>
-        <p:txBody>
-          <a:bodyPr lIns="0" rIns="0" tIns="0" bIns="0" anchor="t">
-            <a:normAutofit/>
-          </a:bodyPr>
-          <a:p>
-            <a:pPr marL="432000" indent="-324000">
-              <a:spcBef>
-                <a:spcPts val="1417"/>
-              </a:spcBef>
-              <a:buClr>
-                <a:srgbClr val="000000"/>
-              </a:buClr>
-              <a:buSzPct val="45000"/>
-              <a:buFont typeface="Wingdings" charset="2"/>
-              <a:buChar char=""/>
-            </a:pPr>
-            <a:r>
-              <a:rPr b="0" lang="pt-PT" sz="3200" spc="-1" strike="noStrike">
-                <a:solidFill>
-                  <a:srgbClr val="000000"/>
-                </a:solidFill>
-                <a:latin typeface="Arial"/>
-              </a:rPr>
-              <a:t>Click to edit the outline text format</a:t>
-            </a:r>
-            <a:endParaRPr b="0" lang="pt-PT" sz="3200" spc="-1" strike="noStrike">
-              <a:solidFill>
-                <a:srgbClr val="000000"/>
-              </a:solidFill>
-              <a:latin typeface="Arial"/>
-            </a:endParaRPr>
-          </a:p>
-          <a:p>
-            <a:pPr lvl="1" marL="864000" indent="-324000">
-              <a:spcBef>
-                <a:spcPts val="1134"/>
-              </a:spcBef>
-              <a:buClr>
-                <a:srgbClr val="000000"/>
-              </a:buClr>
-              <a:buSzPct val="75000"/>
-              <a:buFont typeface="Symbol" charset="2"/>
-              <a:buChar char=""/>
-            </a:pPr>
-            <a:r>
-              <a:rPr b="0" lang="pt-PT" sz="2800" spc="-1" strike="noStrike">
-                <a:solidFill>
-                  <a:srgbClr val="000000"/>
-                </a:solidFill>
-                <a:latin typeface="Arial"/>
-              </a:rPr>
-              <a:t>Second Outline Level</a:t>
-            </a:r>
-            <a:endParaRPr b="0" lang="pt-PT" sz="2800" spc="-1" strike="noStrike">
-              <a:solidFill>
-                <a:srgbClr val="000000"/>
-              </a:solidFill>
-              <a:latin typeface="Arial"/>
-            </a:endParaRPr>
-          </a:p>
-          <a:p>
-            <a:pPr lvl="2" marL="1296000" indent="-288000">
-              <a:spcBef>
-                <a:spcPts val="850"/>
-              </a:spcBef>
-              <a:buClr>
-                <a:srgbClr val="000000"/>
-              </a:buClr>
-              <a:buSzPct val="45000"/>
-              <a:buFont typeface="Wingdings" charset="2"/>
-              <a:buChar char=""/>
-            </a:pPr>
-            <a:r>
-              <a:rPr b="0" lang="pt-PT" sz="2400" spc="-1" strike="noStrike">
-                <a:solidFill>
-                  <a:srgbClr val="000000"/>
-                </a:solidFill>
-                <a:latin typeface="Arial"/>
-              </a:rPr>
-              <a:t>Third Outline Level</a:t>
-            </a:r>
-            <a:endParaRPr b="0" lang="pt-PT" sz="2400" spc="-1" strike="noStrike">
-              <a:solidFill>
-                <a:srgbClr val="000000"/>
-              </a:solidFill>
-              <a:latin typeface="Arial"/>
-            </a:endParaRPr>
-          </a:p>
-          <a:p>
-            <a:pPr lvl="3" marL="1728000" indent="-216000">
-              <a:spcBef>
-                <a:spcPts val="567"/>
-              </a:spcBef>
-              <a:buClr>
-                <a:srgbClr val="000000"/>
-              </a:buClr>
-              <a:buSzPct val="75000"/>
-              <a:buFont typeface="Symbol" charset="2"/>
-              <a:buChar char=""/>
-            </a:pPr>
-            <a:r>
-              <a:rPr b="0" lang="pt-PT" sz="2000" spc="-1" strike="noStrike">
-                <a:solidFill>
-                  <a:srgbClr val="000000"/>
-                </a:solidFill>
-                <a:latin typeface="Arial"/>
-              </a:rPr>
-              <a:t>Fourth Outline Level</a:t>
-            </a:r>
-            <a:endParaRPr b="0" lang="pt-PT" sz="2000" spc="-1" strike="noStrike">
-              <a:solidFill>
-                <a:srgbClr val="000000"/>
-              </a:solidFill>
-              <a:latin typeface="Arial"/>
-            </a:endParaRPr>
-          </a:p>
-          <a:p>
-            <a:pPr lvl="4" marL="2160000" indent="-216000">
-              <a:spcBef>
-                <a:spcPts val="283"/>
-              </a:spcBef>
-              <a:buClr>
-                <a:srgbClr val="000000"/>
-              </a:buClr>
-              <a:buSzPct val="45000"/>
-              <a:buFont typeface="Wingdings" charset="2"/>
-              <a:buChar char=""/>
-            </a:pPr>
-            <a:r>
-              <a:rPr b="0" lang="pt-PT" sz="2000" spc="-1" strike="noStrike">
-                <a:solidFill>
-                  <a:srgbClr val="000000"/>
-                </a:solidFill>
-                <a:latin typeface="Arial"/>
-              </a:rPr>
-              <a:t>Fifth Outline Level</a:t>
-            </a:r>
-            <a:endParaRPr b="0" lang="pt-PT" sz="2000" spc="-1" strike="noStrike">
-              <a:solidFill>
-                <a:srgbClr val="000000"/>
-              </a:solidFill>
-              <a:latin typeface="Arial"/>
-            </a:endParaRPr>
-          </a:p>
-          <a:p>
-            <a:pPr lvl="5" marL="2592000" indent="-216000">
-              <a:spcBef>
-                <a:spcPts val="283"/>
-              </a:spcBef>
-              <a:buClr>
-                <a:srgbClr val="000000"/>
-              </a:buClr>
-              <a:buSzPct val="45000"/>
-              <a:buFont typeface="Wingdings" charset="2"/>
-              <a:buChar char=""/>
-            </a:pPr>
-            <a:r>
-              <a:rPr b="0" lang="pt-PT" sz="2000" spc="-1" strike="noStrike">
-                <a:solidFill>
-                  <a:srgbClr val="000000"/>
-                </a:solidFill>
-                <a:latin typeface="Arial"/>
-              </a:rPr>
-              <a:t>Sixth Outline Level</a:t>
-            </a:r>
-            <a:endParaRPr b="0" lang="pt-PT" sz="2000" spc="-1" strike="noStrike">
-              <a:solidFill>
-                <a:srgbClr val="000000"/>
-              </a:solidFill>
-              <a:latin typeface="Arial"/>
-            </a:endParaRPr>
-          </a:p>
-          <a:p>
-            <a:pPr lvl="6" marL="3024000" indent="-216000">
-              <a:spcBef>
-                <a:spcPts val="283"/>
-              </a:spcBef>
-              <a:buClr>
-                <a:srgbClr val="000000"/>
-              </a:buClr>
-              <a:buSzPct val="45000"/>
-              <a:buFont typeface="Wingdings" charset="2"/>
-              <a:buChar char=""/>
-            </a:pPr>
-            <a:r>
-              <a:rPr b="0" lang="pt-PT" sz="2000" spc="-1" strike="noStrike">
-                <a:solidFill>
-                  <a:srgbClr val="000000"/>
-                </a:solidFill>
-                <a:latin typeface="Arial"/>
-              </a:rPr>
-              <a:t>Seventh Outline Level</a:t>
-            </a:r>
-            <a:endParaRPr b="0" lang="pt-PT" sz="2000" spc="-1" strike="noStrike">
-              <a:solidFill>
-                <a:srgbClr val="000000"/>
-              </a:solidFill>
-              <a:latin typeface="Arial"/>
-            </a:endParaRPr>
-          </a:p>
-        </p:txBody>
-      </p:sp>
-    </p:spTree>
-  </p:cSld>
-  <p:clrMap bg1="lt1" bg2="lt2" tx1="dk1" tx2="dk2" accent1="accent1" accent2="accent2" accent3="accent3" accent4="accent4" accent5="accent5" accent6="accent6" hlink="hlink" folHlink="folHlink"/>
-  <p:sldLayoutIdLst>
-    <p:sldLayoutId id="2147483662" r:id="rId2"/>
-    <p:sldLayoutId id="2147483663" r:id="rId3"/>
-    <p:sldLayoutId id="2147483664" r:id="rId4"/>
-    <p:sldLayoutId id="2147483665" r:id="rId5"/>
-    <p:sldLayoutId id="2147483666" r:id="rId6"/>
-    <p:sldLayoutId id="2147483667" r:id="rId7"/>
-    <p:sldLayoutId id="2147483668" r:id="rId8"/>
-    <p:sldLayoutId id="2147483669" r:id="rId9"/>
-    <p:sldLayoutId id="2147483670" r:id="rId10"/>
-    <p:sldLayoutId id="2147483671" r:id="rId11"/>
-    <p:sldLayoutId id="2147483672" r:id="rId12"/>
-    <p:sldLayoutId id="2147483673" r:id="rId13"/>
   </p:sldLayoutIdLst>
 </p:sldMaster>
 </file>
@@ -6099,14 +3516,14 @@
       </p:grpSpPr>
       <p:sp>
         <p:nvSpPr>
-          <p:cNvPr id="82" name="Rectângulo 30"/>
+          <p:cNvPr id="43" name="Rectângulo 30"/>
           <p:cNvSpPr/>
           <p:nvPr/>
         </p:nvSpPr>
         <p:spPr>
           <a:xfrm>
-            <a:off x="360000" y="2700000"/>
-            <a:ext cx="5337000" cy="7681320"/>
+            <a:off x="360000" y="2684520"/>
+            <a:ext cx="5336640" cy="7681320"/>
           </a:xfrm>
           <a:prstGeom prst="rect">
             <a:avLst/>
@@ -6622,7 +4039,7 @@
       </p:sp>
       <p:pic>
         <p:nvPicPr>
-          <p:cNvPr id="83" name="Imagem 10" descr="Mscso.jpg"/>
+          <p:cNvPr id="44" name="Imagem 10" descr="Mscso.jpg"/>
           <p:cNvPicPr/>
           <p:nvPr/>
         </p:nvPicPr>
@@ -6634,7 +4051,30 @@
         <p:spPr>
           <a:xfrm>
             <a:off x="5401080" y="5346720"/>
-            <a:ext cx="2158560" cy="5326920"/>
+            <a:ext cx="2158200" cy="5326560"/>
+          </a:xfrm>
+          <a:prstGeom prst="rect">
+            <a:avLst/>
+          </a:prstGeom>
+          <a:ln w="0">
+            <a:noFill/>
+          </a:ln>
+        </p:spPr>
+      </p:pic>
+      <p:pic>
+        <p:nvPicPr>
+          <p:cNvPr id="45" name="" descr=""/>
+          <p:cNvPicPr/>
+          <p:nvPr/>
+        </p:nvPicPr>
+        <p:blipFill>
+          <a:blip r:embed="rId2"/>
+          <a:stretch/>
+        </p:blipFill>
+        <p:spPr>
+          <a:xfrm>
+            <a:off x="4500000" y="1815480"/>
+            <a:ext cx="2880000" cy="524520"/>
           </a:xfrm>
           <a:prstGeom prst="rect">
             <a:avLst/>
@@ -6676,7 +4116,7 @@
       </p:grpSpPr>
       <p:pic>
         <p:nvPicPr>
-          <p:cNvPr id="84" name="Imagem 9" descr="logo-FCUP.jpg"/>
+          <p:cNvPr id="46" name="Imagem 9" descr="logo-FCUP.jpg"/>
           <p:cNvPicPr/>
           <p:nvPr/>
         </p:nvPicPr>
@@ -6688,7 +4128,7 @@
         <p:spPr>
           <a:xfrm>
             <a:off x="5436720" y="2394360"/>
-            <a:ext cx="2088360" cy="1366200"/>
+            <a:ext cx="2088000" cy="1365840"/>
           </a:xfrm>
           <a:prstGeom prst="rect">
             <a:avLst/>
@@ -6700,14 +4140,14 @@
       </p:pic>
       <p:sp>
         <p:nvSpPr>
-          <p:cNvPr id="85" name="Rectângulo 7"/>
+          <p:cNvPr id="47" name="Rectângulo 7"/>
           <p:cNvSpPr/>
           <p:nvPr/>
         </p:nvSpPr>
         <p:spPr>
           <a:xfrm>
             <a:off x="5436720" y="3546360"/>
-            <a:ext cx="2122560" cy="1856520"/>
+            <a:ext cx="2122200" cy="1856520"/>
           </a:xfrm>
           <a:prstGeom prst="rect">
             <a:avLst/>
@@ -6900,7 +4340,7 @@
       </p:sp>
       <p:pic>
         <p:nvPicPr>
-          <p:cNvPr id="86" name="Imagem 8" descr="Mscso.jpg"/>
+          <p:cNvPr id="48" name="Imagem 8" descr="Mscso.jpg"/>
           <p:cNvPicPr/>
           <p:nvPr/>
         </p:nvPicPr>
@@ -6912,7 +4352,7 @@
         <p:spPr>
           <a:xfrm>
             <a:off x="5401080" y="5346720"/>
-            <a:ext cx="2158560" cy="5326920"/>
+            <a:ext cx="2158200" cy="5326560"/>
           </a:xfrm>
           <a:prstGeom prst="rect">
             <a:avLst/>
@@ -6954,14 +4394,14 @@
       </p:grpSpPr>
       <p:sp>
         <p:nvSpPr>
-          <p:cNvPr id="87" name="Rectângulo 17"/>
+          <p:cNvPr id="49" name="Rectângulo 17"/>
           <p:cNvSpPr/>
           <p:nvPr/>
         </p:nvSpPr>
         <p:spPr>
           <a:xfrm>
             <a:off x="4572720" y="4554720"/>
-            <a:ext cx="1438200" cy="1002240"/>
+            <a:ext cx="1437840" cy="1002240"/>
           </a:xfrm>
           <a:prstGeom prst="rect">
             <a:avLst/>
@@ -7103,14 +4543,14 @@
       </p:sp>
       <p:sp>
         <p:nvSpPr>
-          <p:cNvPr id="88" name="Rectângulo 19"/>
+          <p:cNvPr id="50" name="Rectângulo 19"/>
           <p:cNvSpPr/>
           <p:nvPr/>
         </p:nvSpPr>
         <p:spPr>
           <a:xfrm>
             <a:off x="1908360" y="5760000"/>
-            <a:ext cx="3776400" cy="547560"/>
+            <a:ext cx="3776040" cy="547560"/>
           </a:xfrm>
           <a:prstGeom prst="rect">
             <a:avLst/>
@@ -7156,14 +4596,14 @@
       </p:sp>
       <p:sp>
         <p:nvSpPr>
-          <p:cNvPr id="89" name="Rectângulo 20"/>
+          <p:cNvPr id="51" name="Rectângulo 20"/>
           <p:cNvSpPr/>
           <p:nvPr/>
         </p:nvSpPr>
         <p:spPr>
           <a:xfrm>
             <a:off x="2520000" y="6300000"/>
-            <a:ext cx="2698560" cy="759960"/>
+            <a:ext cx="2698200" cy="759960"/>
           </a:xfrm>
           <a:prstGeom prst="rect">
             <a:avLst/>
@@ -7292,7 +4732,7 @@
       </p:sp>
       <p:sp>
         <p:nvSpPr>
-          <p:cNvPr id="90" name="Rectângulo 21"/>
+          <p:cNvPr id="52" name="Rectângulo 21"/>
           <p:cNvSpPr/>
           <p:nvPr/>
         </p:nvSpPr>
@@ -7345,14 +4785,14 @@
       </p:sp>
       <p:sp>
         <p:nvSpPr>
-          <p:cNvPr id="91" name="Oval 6"/>
+          <p:cNvPr id="53" name="Oval 6"/>
           <p:cNvSpPr/>
           <p:nvPr/>
         </p:nvSpPr>
         <p:spPr>
           <a:xfrm>
             <a:off x="3060720" y="4338720"/>
-            <a:ext cx="1474200" cy="1474200"/>
+            <a:ext cx="1473840" cy="1473840"/>
           </a:xfrm>
           <a:prstGeom prst="ellipse">
             <a:avLst/>
@@ -7402,7 +4842,7 @@
       </p:sp>
       <p:pic>
         <p:nvPicPr>
-          <p:cNvPr id="92" name="Imagem 10" descr="logo-FCUP.jpg"/>
+          <p:cNvPr id="54" name="Imagem 10" descr="logo-FCUP.jpg"/>
           <p:cNvPicPr/>
           <p:nvPr/>
         </p:nvPicPr>
@@ -7414,7 +4854,7 @@
         <p:spPr>
           <a:xfrm>
             <a:off x="3060720" y="3035880"/>
-            <a:ext cx="1438200" cy="940680"/>
+            <a:ext cx="1437840" cy="940320"/>
           </a:xfrm>
           <a:prstGeom prst="rect">
             <a:avLst/>
@@ -7426,7 +4866,7 @@
       </p:pic>
       <p:pic>
         <p:nvPicPr>
-          <p:cNvPr id="93" name="Imagem 11" descr="Mscso.jpg"/>
+          <p:cNvPr id="55" name="Imagem 11" descr="Mscso.jpg"/>
           <p:cNvPicPr/>
           <p:nvPr/>
         </p:nvPicPr>
@@ -7437,8 +4877,8 @@
         </p:blipFill>
         <p:spPr>
           <a:xfrm rot="16200000">
-            <a:off x="3465360" y="3305160"/>
-            <a:ext cx="556920" cy="1510200"/>
+            <a:off x="3465360" y="3305520"/>
+            <a:ext cx="556560" cy="1509840"/>
           </a:xfrm>
           <a:prstGeom prst="rect">
             <a:avLst/>
@@ -7450,14 +4890,14 @@
       </p:pic>
       <p:sp>
         <p:nvSpPr>
-          <p:cNvPr id="94" name="Oval 5"/>
+          <p:cNvPr id="56" name="Oval 5"/>
           <p:cNvSpPr/>
           <p:nvPr/>
         </p:nvSpPr>
         <p:spPr>
           <a:xfrm>
             <a:off x="1692360" y="2970360"/>
-            <a:ext cx="4246560" cy="4246560"/>
+            <a:ext cx="4246200" cy="4246200"/>
           </a:xfrm>
           <a:prstGeom prst="ellipse">
             <a:avLst/>
@@ -7535,7 +4975,7 @@
       </p:grpSpPr>
       <p:pic>
         <p:nvPicPr>
-          <p:cNvPr id="95" name="Imagem 17" descr="Msc.jpg"/>
+          <p:cNvPr id="57" name="Imagem 17" descr="Msc.jpg"/>
           <p:cNvPicPr/>
           <p:nvPr/>
         </p:nvPicPr>
@@ -7547,7 +4987,7 @@
         <p:spPr>
           <a:xfrm>
             <a:off x="5148720" y="738360"/>
-            <a:ext cx="835200" cy="4246560"/>
+            <a:ext cx="834840" cy="4246200"/>
           </a:xfrm>
           <a:prstGeom prst="rect">
             <a:avLst/>
@@ -7559,14 +4999,14 @@
       </p:pic>
       <p:sp>
         <p:nvSpPr>
-          <p:cNvPr id="96" name="Rectângulo 5"/>
+          <p:cNvPr id="58" name="Rectângulo 5"/>
           <p:cNvSpPr/>
           <p:nvPr/>
         </p:nvSpPr>
         <p:spPr>
           <a:xfrm>
             <a:off x="1692360" y="732240"/>
-            <a:ext cx="4318560" cy="4318200"/>
+            <a:ext cx="4318200" cy="4317840"/>
           </a:xfrm>
           <a:prstGeom prst="rect">
             <a:avLst/>
@@ -7614,14 +5054,14 @@
       </p:sp>
       <p:sp>
         <p:nvSpPr>
-          <p:cNvPr id="97" name="Rectângulo 6"/>
+          <p:cNvPr id="59" name="Rectângulo 6"/>
           <p:cNvSpPr/>
           <p:nvPr/>
         </p:nvSpPr>
         <p:spPr>
           <a:xfrm>
             <a:off x="2340360" y="1818360"/>
-            <a:ext cx="3697560" cy="3131280"/>
+            <a:ext cx="3697200" cy="3131280"/>
           </a:xfrm>
           <a:prstGeom prst="rect">
             <a:avLst/>
@@ -7922,14 +5362,14 @@
       </p:sp>
       <p:sp>
         <p:nvSpPr>
-          <p:cNvPr id="98" name="Rectângulo 15"/>
+          <p:cNvPr id="60" name="Rectângulo 15"/>
           <p:cNvSpPr/>
           <p:nvPr/>
         </p:nvSpPr>
         <p:spPr>
           <a:xfrm>
             <a:off x="756360" y="5418720"/>
-            <a:ext cx="6046920" cy="4606560"/>
+            <a:ext cx="6046560" cy="4606200"/>
           </a:xfrm>
           <a:prstGeom prst="rect">
             <a:avLst/>
@@ -7977,7 +5417,7 @@
       </p:sp>
       <p:pic>
         <p:nvPicPr>
-          <p:cNvPr id="99" name="Imagem 14" descr="logo-FCUP.jpg"/>
+          <p:cNvPr id="61" name="Imagem 14" descr="logo-FCUP.jpg"/>
           <p:cNvPicPr/>
           <p:nvPr/>
         </p:nvPicPr>
@@ -7989,7 +5429,7 @@
         <p:spPr>
           <a:xfrm>
             <a:off x="3636720" y="810360"/>
-            <a:ext cx="1366200" cy="893880"/>
+            <a:ext cx="1365840" cy="893520"/>
           </a:xfrm>
           <a:prstGeom prst="rect">
             <a:avLst/>
@@ -8001,7 +5441,7 @@
       </p:pic>
       <p:pic>
         <p:nvPicPr>
-          <p:cNvPr id="100" name="Imagem 16" descr="logo-FCUP.jpg"/>
+          <p:cNvPr id="62" name="Imagem 16" descr="logo-FCUP.jpg"/>
           <p:cNvPicPr/>
           <p:nvPr/>
         </p:nvPicPr>
@@ -8013,7 +5453,7 @@
         <p:spPr>
           <a:xfrm>
             <a:off x="2988720" y="9019080"/>
-            <a:ext cx="1438200" cy="940680"/>
+            <a:ext cx="1437840" cy="940320"/>
           </a:xfrm>
           <a:prstGeom prst="rect">
             <a:avLst/>
@@ -8209,179 +5649,4 @@
     </a:fmtScheme>
   </a:themeElements>
 </a:theme>
-</file>
-
-<file path=ppt/theme/theme2.xml><?xml version="1.0" encoding="utf-8"?>
-<a:theme xmlns:a="http://schemas.openxmlformats.org/drawingml/2006/main" xmlns:r="http://schemas.openxmlformats.org/officeDocument/2006/relationships" name="TemplatePPT_MSc">
-  <a:themeElements>
-    <a:clrScheme name="Office">
-      <a:dk1>
-        <a:srgbClr val="000000"/>
-      </a:dk1>
-      <a:lt1>
-        <a:srgbClr val="ffffff"/>
-      </a:lt1>
-      <a:dk2>
-        <a:srgbClr val="1f497d"/>
-      </a:dk2>
-      <a:lt2>
-        <a:srgbClr val="eeece1"/>
-      </a:lt2>
-      <a:accent1>
-        <a:srgbClr val="4f81bd"/>
-      </a:accent1>
-      <a:accent2>
-        <a:srgbClr val="c0504d"/>
-      </a:accent2>
-      <a:accent3>
-        <a:srgbClr val="9bbb59"/>
-      </a:accent3>
-      <a:accent4>
-        <a:srgbClr val="8064a2"/>
-      </a:accent4>
-      <a:accent5>
-        <a:srgbClr val="4bacc6"/>
-      </a:accent5>
-      <a:accent6>
-        <a:srgbClr val="f79646"/>
-      </a:accent6>
-      <a:hlink>
-        <a:srgbClr val="0000ff"/>
-      </a:hlink>
-      <a:folHlink>
-        <a:srgbClr val="800080"/>
-      </a:folHlink>
-    </a:clrScheme>
-    <a:fontScheme name="Office">
-      <a:majorFont>
-        <a:latin typeface="Calibri" pitchFamily="0" charset="1"/>
-        <a:ea typeface=""/>
-        <a:cs typeface=""/>
-      </a:majorFont>
-      <a:minorFont>
-        <a:latin typeface="Calibri" pitchFamily="0" charset="1"/>
-        <a:ea typeface=""/>
-        <a:cs typeface=""/>
-      </a:minorFont>
-    </a:fontScheme>
-    <a:fmtScheme>
-      <a:fillStyleLst>
-        <a:solidFill>
-          <a:schemeClr val="phClr"/>
-        </a:solidFill>
-        <a:gradFill>
-          <a:gsLst>
-            <a:gs pos="0">
-              <a:schemeClr val="phClr">
-                <a:tint val="50000"/>
-              </a:schemeClr>
-            </a:gs>
-            <a:gs pos="35000">
-              <a:schemeClr val="phClr">
-                <a:tint val="37000"/>
-              </a:schemeClr>
-            </a:gs>
-            <a:gs pos="100000">
-              <a:schemeClr val="phClr">
-                <a:tint val="15000"/>
-              </a:schemeClr>
-            </a:gs>
-          </a:gsLst>
-          <a:lin ang="16200000" scaled="1"/>
-          <a:tileRect l="0" t="0" r="0" b="0"/>
-        </a:gradFill>
-        <a:gradFill>
-          <a:gsLst>
-            <a:gs pos="0">
-              <a:schemeClr val="phClr">
-                <a:shade val="51000"/>
-              </a:schemeClr>
-            </a:gs>
-            <a:gs pos="80000">
-              <a:schemeClr val="phClr">
-                <a:shade val="93000"/>
-              </a:schemeClr>
-            </a:gs>
-            <a:gs pos="100000">
-              <a:schemeClr val="phClr">
-                <a:shade val="94000"/>
-              </a:schemeClr>
-            </a:gs>
-          </a:gsLst>
-          <a:lin ang="16200000" scaled="0"/>
-          <a:tileRect l="0" t="0" r="0" b="0"/>
-        </a:gradFill>
-      </a:fillStyleLst>
-      <a:lnStyleLst>
-        <a:ln w="9525" cap="flat" cmpd="sng" algn="ctr">
-          <a:prstDash val="solid"/>
-        </a:ln>
-        <a:ln w="25400" cap="flat" cmpd="sng" algn="ctr">
-          <a:prstDash val="solid"/>
-        </a:ln>
-        <a:ln w="38100" cap="flat" cmpd="sng" algn="ctr">
-          <a:prstDash val="solid"/>
-        </a:ln>
-      </a:lnStyleLst>
-      <a:effectStyleLst>
-        <a:effectStyle>
-          <a:effectLst/>
-        </a:effectStyle>
-        <a:effectStyle>
-          <a:effectLst/>
-        </a:effectStyle>
-        <a:effectStyle>
-          <a:effectLst/>
-        </a:effectStyle>
-      </a:effectStyleLst>
-      <a:bgFillStyleLst>
-        <a:solidFill>
-          <a:schemeClr val="phClr"/>
-        </a:solidFill>
-        <a:gradFill>
-          <a:gsLst>
-            <a:gs pos="0">
-              <a:schemeClr val="phClr">
-                <a:tint val="40000"/>
-              </a:schemeClr>
-            </a:gs>
-            <a:gs pos="40000">
-              <a:schemeClr val="phClr">
-                <a:tint val="45000"/>
-                <a:shade val="99000"/>
-              </a:schemeClr>
-            </a:gs>
-            <a:gs pos="100000">
-              <a:schemeClr val="phClr">
-                <a:shade val="20000"/>
-              </a:schemeClr>
-            </a:gs>
-          </a:gsLst>
-          <a:path path="circle">
-            <a:fillToRect l="50000" t="-80000" r="50000" b="180000"/>
-          </a:path>
-          <a:tileRect l="0" t="0" r="0" b="0"/>
-        </a:gradFill>
-        <a:gradFill>
-          <a:gsLst>
-            <a:gs pos="0">
-              <a:schemeClr val="phClr">
-                <a:tint val="80000"/>
-              </a:schemeClr>
-            </a:gs>
-            <a:gs pos="100000">
-              <a:schemeClr val="phClr">
-                <a:shade val="30000"/>
-              </a:schemeClr>
-            </a:gs>
-          </a:gsLst>
-          <a:path path="circle">
-            <a:fillToRect l="50000" t="50000" r="50000" b="50000"/>
-          </a:path>
-          <a:tileRect l="0" t="0" r="0" b="0"/>
-        </a:gradFill>
-      </a:bgFillStyleLst>
-    </a:fmtScheme>
-  </a:themeElements>
-</a:theme>
 </file>